--- a/FinalPresentation.pptx
+++ b/FinalPresentation.pptx
@@ -5,23 +5,24 @@
     <p:sldMasterId id="2147483648" r:id="rId1"/>
   </p:sldMasterIdLst>
   <p:notesMasterIdLst>
-    <p:notesMasterId r:id="rId13"/>
+    <p:notesMasterId r:id="rId14"/>
   </p:notesMasterIdLst>
   <p:handoutMasterIdLst>
-    <p:handoutMasterId r:id="rId14"/>
+    <p:handoutMasterId r:id="rId15"/>
   </p:handoutMasterIdLst>
   <p:sldIdLst>
     <p:sldId id="256" r:id="rId2"/>
     <p:sldId id="257" r:id="rId3"/>
     <p:sldId id="310" r:id="rId4"/>
     <p:sldId id="260" r:id="rId5"/>
-    <p:sldId id="311" r:id="rId6"/>
-    <p:sldId id="312" r:id="rId7"/>
-    <p:sldId id="313" r:id="rId8"/>
-    <p:sldId id="315" r:id="rId9"/>
-    <p:sldId id="314" r:id="rId10"/>
-    <p:sldId id="322" r:id="rId11"/>
-    <p:sldId id="323" r:id="rId12"/>
+    <p:sldId id="324" r:id="rId6"/>
+    <p:sldId id="311" r:id="rId7"/>
+    <p:sldId id="312" r:id="rId8"/>
+    <p:sldId id="313" r:id="rId9"/>
+    <p:sldId id="315" r:id="rId10"/>
+    <p:sldId id="314" r:id="rId11"/>
+    <p:sldId id="322" r:id="rId12"/>
+    <p:sldId id="323" r:id="rId13"/>
   </p:sldIdLst>
   <p:sldSz cx="12192000" cy="6858000"/>
   <p:notesSz cx="7010400" cy="9296400"/>
@@ -863,7 +864,7 @@
               <a:pPr>
                 <a:defRPr/>
               </a:pPr>
-              <a:t>6</a:t>
+              <a:t>5</a:t>
             </a:fld>
             <a:endParaRPr lang="en-US" dirty="0"/>
           </a:p>
@@ -872,7 +873,7 @@
     </p:spTree>
     <p:extLst>
       <p:ext uri="{BB962C8B-B14F-4D97-AF65-F5344CB8AC3E}">
-        <p14:creationId xmlns:p14="http://schemas.microsoft.com/office/powerpoint/2010/main" val="4280052291"/>
+        <p14:creationId xmlns:p14="http://schemas.microsoft.com/office/powerpoint/2010/main" val="1745999280"/>
       </p:ext>
     </p:extLst>
   </p:cSld>
@@ -953,7 +954,7 @@
               <a:pPr>
                 <a:defRPr/>
               </a:pPr>
-              <a:t>9</a:t>
+              <a:t>7</a:t>
             </a:fld>
             <a:endParaRPr lang="en-US" dirty="0"/>
           </a:p>
@@ -962,7 +963,7 @@
     </p:spTree>
     <p:extLst>
       <p:ext uri="{BB962C8B-B14F-4D97-AF65-F5344CB8AC3E}">
-        <p14:creationId xmlns:p14="http://schemas.microsoft.com/office/powerpoint/2010/main" val="50651109"/>
+        <p14:creationId xmlns:p14="http://schemas.microsoft.com/office/powerpoint/2010/main" val="4280052291"/>
       </p:ext>
     </p:extLst>
   </p:cSld>
@@ -1052,7 +1053,7 @@
     </p:spTree>
     <p:extLst>
       <p:ext uri="{BB962C8B-B14F-4D97-AF65-F5344CB8AC3E}">
-        <p14:creationId xmlns:p14="http://schemas.microsoft.com/office/powerpoint/2010/main" val="597259050"/>
+        <p14:creationId xmlns:p14="http://schemas.microsoft.com/office/powerpoint/2010/main" val="50651109"/>
       </p:ext>
     </p:extLst>
   </p:cSld>
@@ -1134,6 +1135,96 @@
                 <a:defRPr/>
               </a:pPr>
               <a:t>11</a:t>
+            </a:fld>
+            <a:endParaRPr lang="en-US" dirty="0"/>
+          </a:p>
+        </p:txBody>
+      </p:sp>
+    </p:spTree>
+    <p:extLst>
+      <p:ext uri="{BB962C8B-B14F-4D97-AF65-F5344CB8AC3E}">
+        <p14:creationId xmlns:p14="http://schemas.microsoft.com/office/powerpoint/2010/main" val="597259050"/>
+      </p:ext>
+    </p:extLst>
+  </p:cSld>
+  <p:clrMapOvr>
+    <a:masterClrMapping/>
+  </p:clrMapOvr>
+</p:notes>
+</file>
+
+<file path=ppt/notesSlides/notesSlide6.xml><?xml version="1.0" encoding="utf-8"?>
+<p:notes xmlns:a="http://schemas.openxmlformats.org/drawingml/2006/main" xmlns:r="http://schemas.openxmlformats.org/officeDocument/2006/relationships" xmlns:p="http://schemas.openxmlformats.org/presentationml/2006/main">
+  <p:cSld>
+    <p:spTree>
+      <p:nvGrpSpPr>
+        <p:cNvPr id="1" name=""/>
+        <p:cNvGrpSpPr/>
+        <p:nvPr/>
+      </p:nvGrpSpPr>
+      <p:grpSpPr>
+        <a:xfrm>
+          <a:off x="0" y="0"/>
+          <a:ext cx="0" cy="0"/>
+          <a:chOff x="0" y="0"/>
+          <a:chExt cx="0" cy="0"/>
+        </a:xfrm>
+      </p:grpSpPr>
+      <p:sp>
+        <p:nvSpPr>
+          <p:cNvPr id="2" name="Slide Image Placeholder 1"/>
+          <p:cNvSpPr>
+            <a:spLocks noGrp="1" noRot="1" noChangeAspect="1"/>
+          </p:cNvSpPr>
+          <p:nvPr>
+            <p:ph type="sldImg"/>
+          </p:nvPr>
+        </p:nvSpPr>
+        <p:spPr/>
+      </p:sp>
+      <p:sp>
+        <p:nvSpPr>
+          <p:cNvPr id="3" name="Notes Placeholder 2"/>
+          <p:cNvSpPr>
+            <a:spLocks noGrp="1"/>
+          </p:cNvSpPr>
+          <p:nvPr>
+            <p:ph type="body" idx="1"/>
+          </p:nvPr>
+        </p:nvSpPr>
+        <p:spPr/>
+        <p:txBody>
+          <a:bodyPr/>
+          <a:lstStyle/>
+          <a:p>
+            <a:endParaRPr lang="en-US" dirty="0"/>
+          </a:p>
+        </p:txBody>
+      </p:sp>
+      <p:sp>
+        <p:nvSpPr>
+          <p:cNvPr id="4" name="Slide Number Placeholder 3"/>
+          <p:cNvSpPr>
+            <a:spLocks noGrp="1"/>
+          </p:cNvSpPr>
+          <p:nvPr>
+            <p:ph type="sldNum" sz="quarter" idx="10"/>
+          </p:nvPr>
+        </p:nvSpPr>
+        <p:spPr/>
+        <p:txBody>
+          <a:bodyPr/>
+          <a:lstStyle/>
+          <a:p>
+            <a:pPr>
+              <a:defRPr/>
+            </a:pPr>
+            <a:fld id="{26EBEF29-FB55-4911-BE7B-AB980B121A0D}" type="slidenum">
+              <a:rPr lang="en-US" smtClean="0"/>
+              <a:pPr>
+                <a:defRPr/>
+              </a:pPr>
+              <a:t>12</a:t>
             </a:fld>
             <a:endParaRPr lang="en-US" dirty="0"/>
           </a:p>
@@ -38994,7 +39085,7 @@
           <a:p>
             <a:r>
               <a:rPr lang="en-US" dirty="0" smtClean="0"/>
-              <a:t>Assignments</a:t>
+              <a:t>Blogs</a:t>
             </a:r>
             <a:endParaRPr lang="en-US" dirty="0"/>
           </a:p>
@@ -39089,7 +39180,7 @@
     </p:spTree>
     <p:extLst>
       <p:ext uri="{BB962C8B-B14F-4D97-AF65-F5344CB8AC3E}">
-        <p14:creationId xmlns:p14="http://schemas.microsoft.com/office/powerpoint/2010/main" val="3902528447"/>
+        <p14:creationId xmlns:p14="http://schemas.microsoft.com/office/powerpoint/2010/main" val="3259647526"/>
       </p:ext>
     </p:extLst>
   </p:cSld>
@@ -39159,7 +39250,7 @@
           <a:p>
             <a:r>
               <a:rPr lang="en-US" dirty="0" smtClean="0"/>
-              <a:t>Profiles</a:t>
+              <a:t>Assignments</a:t>
             </a:r>
             <a:endParaRPr lang="en-US" dirty="0"/>
           </a:p>
@@ -39184,6 +39275,171 @@
               <a:rPr lang="en-US" smtClean="0"/>
               <a:pPr/>
               <a:t>11</a:t>
+            </a:fld>
+            <a:endParaRPr lang="en-US" dirty="0"/>
+          </a:p>
+        </p:txBody>
+      </p:sp>
+      <p:sp>
+        <p:nvSpPr>
+          <p:cNvPr id="8" name="Rectangle 7"/>
+          <p:cNvSpPr/>
+          <p:nvPr/>
+        </p:nvSpPr>
+        <p:spPr>
+          <a:xfrm>
+            <a:off x="685800" y="6529373"/>
+            <a:ext cx="3429000" cy="200055"/>
+          </a:xfrm>
+          <a:prstGeom prst="rect">
+            <a:avLst/>
+          </a:prstGeom>
+        </p:spPr>
+        <p:txBody>
+          <a:bodyPr wrap="none" anchor="ctr" anchorCtr="0">
+            <a:noAutofit/>
+          </a:bodyPr>
+          <a:lstStyle/>
+          <a:p>
+            <a:pPr eaLnBrk="0" hangingPunct="0"/>
+            <a:r>
+              <a:rPr lang="en-US" sz="700" dirty="0">
+                <a:latin typeface="+mn-lt"/>
+              </a:rPr>
+              <a:t>Copyright © </a:t>
+            </a:r>
+            <a:r>
+              <a:rPr lang="en-US" sz="700" dirty="0" smtClean="0">
+                <a:latin typeface="+mn-lt"/>
+              </a:rPr>
+              <a:t>2016 </a:t>
+            </a:r>
+            <a:r>
+              <a:rPr lang="en-US" sz="700" dirty="0">
+                <a:latin typeface="+mn-lt"/>
+              </a:rPr>
+              <a:t>Gallup, Inc. All rights reserved.</a:t>
+            </a:r>
+          </a:p>
+        </p:txBody>
+      </p:sp>
+      <p:sp>
+        <p:nvSpPr>
+          <p:cNvPr id="4" name="Footer Placeholder 3"/>
+          <p:cNvSpPr>
+            <a:spLocks noGrp="1"/>
+          </p:cNvSpPr>
+          <p:nvPr>
+            <p:ph type="ftr" sz="quarter" idx="3"/>
+          </p:nvPr>
+        </p:nvSpPr>
+        <p:spPr/>
+        <p:txBody>
+          <a:bodyPr/>
+          <a:lstStyle/>
+          <a:p>
+            <a:endParaRPr lang="en-US" dirty="0"/>
+          </a:p>
+        </p:txBody>
+      </p:sp>
+    </p:spTree>
+    <p:extLst>
+      <p:ext uri="{BB962C8B-B14F-4D97-AF65-F5344CB8AC3E}">
+        <p14:creationId xmlns:p14="http://schemas.microsoft.com/office/powerpoint/2010/main" val="3902528447"/>
+      </p:ext>
+    </p:extLst>
+  </p:cSld>
+  <p:clrMapOvr>
+    <a:masterClrMapping/>
+  </p:clrMapOvr>
+  <p:timing>
+    <p:tnLst>
+      <p:par>
+        <p:cTn id="1" dur="indefinite" restart="never" nodeType="tmRoot"/>
+      </p:par>
+    </p:tnLst>
+  </p:timing>
+</p:sld>
+</file>
+
+<file path=ppt/slides/slide12.xml><?xml version="1.0" encoding="utf-8"?>
+<p:sld xmlns:a="http://schemas.openxmlformats.org/drawingml/2006/main" xmlns:r="http://schemas.openxmlformats.org/officeDocument/2006/relationships" xmlns:p="http://schemas.openxmlformats.org/presentationml/2006/main">
+  <p:cSld>
+    <p:spTree>
+      <p:nvGrpSpPr>
+        <p:cNvPr id="1" name=""/>
+        <p:cNvGrpSpPr/>
+        <p:nvPr/>
+      </p:nvGrpSpPr>
+      <p:grpSpPr>
+        <a:xfrm>
+          <a:off x="0" y="0"/>
+          <a:ext cx="0" cy="0"/>
+          <a:chOff x="0" y="0"/>
+          <a:chExt cx="0" cy="0"/>
+        </a:xfrm>
+      </p:grpSpPr>
+      <p:sp>
+        <p:nvSpPr>
+          <p:cNvPr id="3" name="Content Placeholder 2"/>
+          <p:cNvSpPr>
+            <a:spLocks noGrp="1"/>
+          </p:cNvSpPr>
+          <p:nvPr>
+            <p:ph idx="1"/>
+          </p:nvPr>
+        </p:nvSpPr>
+        <p:spPr/>
+        <p:txBody>
+          <a:bodyPr/>
+          <a:lstStyle/>
+          <a:p>
+            <a:endParaRPr lang="en-US"/>
+          </a:p>
+        </p:txBody>
+      </p:sp>
+      <p:sp>
+        <p:nvSpPr>
+          <p:cNvPr id="2" name="Title 1"/>
+          <p:cNvSpPr>
+            <a:spLocks noGrp="1"/>
+          </p:cNvSpPr>
+          <p:nvPr>
+            <p:ph type="title"/>
+          </p:nvPr>
+        </p:nvSpPr>
+        <p:spPr/>
+        <p:txBody>
+          <a:bodyPr/>
+          <a:lstStyle/>
+          <a:p>
+            <a:r>
+              <a:rPr lang="en-US" dirty="0" smtClean="0"/>
+              <a:t>Profiles</a:t>
+            </a:r>
+            <a:endParaRPr lang="en-US" dirty="0"/>
+          </a:p>
+        </p:txBody>
+      </p:sp>
+      <p:sp>
+        <p:nvSpPr>
+          <p:cNvPr id="7" name="Slide Number Placeholder 6"/>
+          <p:cNvSpPr>
+            <a:spLocks noGrp="1"/>
+          </p:cNvSpPr>
+          <p:nvPr>
+            <p:ph type="sldNum" sz="quarter" idx="4"/>
+          </p:nvPr>
+        </p:nvSpPr>
+        <p:spPr/>
+        <p:txBody>
+          <a:bodyPr/>
+          <a:lstStyle/>
+          <a:p>
+            <a:fld id="{3A857C0F-B001-40B5-9A01-32CB6570D7AB}" type="slidenum">
+              <a:rPr lang="en-US" smtClean="0"/>
+              <a:pPr/>
+              <a:t>12</a:t>
             </a:fld>
             <a:endParaRPr lang="en-US" dirty="0"/>
           </a:p>
@@ -39384,7 +39640,7 @@
           <a:p>
             <a:r>
               <a:rPr lang="en-US" dirty="0" smtClean="0"/>
-              <a:t>Problem Definition</a:t>
+              <a:t>Problem &amp; Solution</a:t>
             </a:r>
             <a:endParaRPr lang="en-US" dirty="0"/>
           </a:p>
@@ -39533,7 +39789,29 @@
           <a:bodyPr/>
           <a:lstStyle/>
           <a:p>
-            <a:endParaRPr lang="en-US"/>
+            <a:r>
+              <a:rPr lang="en-US" dirty="0" smtClean="0"/>
+              <a:t>Dozens of spreadsheets</a:t>
+            </a:r>
+          </a:p>
+          <a:p>
+            <a:r>
+              <a:rPr lang="en-US" dirty="0" smtClean="0"/>
+              <a:t>No central source of information</a:t>
+            </a:r>
+          </a:p>
+          <a:p>
+            <a:r>
+              <a:rPr lang="en-US" dirty="0" smtClean="0"/>
+              <a:t>No method for keeping everything up to date</a:t>
+            </a:r>
+          </a:p>
+          <a:p>
+            <a:r>
+              <a:rPr lang="en-US" dirty="0" smtClean="0"/>
+              <a:t>No uniformity between classes</a:t>
+            </a:r>
+            <a:endParaRPr lang="en-US" dirty="0" smtClean="0"/>
           </a:p>
         </p:txBody>
       </p:sp>
@@ -39554,7 +39832,7 @@
           <a:p>
             <a:r>
               <a:rPr lang="en-US" dirty="0" smtClean="0"/>
-              <a:t>Option 1: Title and Content</a:t>
+              <a:t>Last Year</a:t>
             </a:r>
             <a:endParaRPr lang="en-US" dirty="0"/>
           </a:p>
@@ -39685,12 +39963,12 @@
       </p:grpSpPr>
       <p:sp>
         <p:nvSpPr>
-          <p:cNvPr id="2" name="Title 1"/>
+          <p:cNvPr id="3" name="Content Placeholder 2"/>
           <p:cNvSpPr>
             <a:spLocks noGrp="1"/>
           </p:cNvSpPr>
           <p:nvPr>
-            <p:ph type="ctrTitle"/>
+            <p:ph idx="1"/>
           </p:nvPr>
         </p:nvSpPr>
         <p:spPr/>
@@ -39700,20 +39978,46 @@
           <a:p>
             <a:r>
               <a:rPr lang="en-US" dirty="0" smtClean="0"/>
-              <a:t>Process and Platform</a:t>
-            </a:r>
-            <a:endParaRPr lang="en-US" dirty="0"/>
-          </a:p>
-        </p:txBody>
-      </p:sp>
-      <p:sp>
-        <p:nvSpPr>
-          <p:cNvPr id="3" name="Subtitle 2"/>
+              <a:t>Student management system</a:t>
+            </a:r>
+          </a:p>
+          <a:p>
+            <a:r>
+              <a:rPr lang="en-US" dirty="0" smtClean="0"/>
+              <a:t>Sections:</a:t>
+            </a:r>
+          </a:p>
+          <a:p>
+            <a:pPr lvl="1"/>
+            <a:r>
+              <a:rPr lang="en-US" dirty="0" smtClean="0"/>
+              <a:t>Instructors’ Blog</a:t>
+            </a:r>
+          </a:p>
+          <a:p>
+            <a:pPr lvl="1"/>
+            <a:r>
+              <a:rPr lang="en-US" dirty="0" smtClean="0"/>
+              <a:t>Assignments</a:t>
+            </a:r>
+          </a:p>
+          <a:p>
+            <a:pPr lvl="1"/>
+            <a:r>
+              <a:rPr lang="en-US" dirty="0" smtClean="0"/>
+              <a:t>Profiles</a:t>
+            </a:r>
+          </a:p>
+        </p:txBody>
+      </p:sp>
+      <p:sp>
+        <p:nvSpPr>
+          <p:cNvPr id="2" name="Title 1"/>
           <p:cNvSpPr>
             <a:spLocks noGrp="1"/>
           </p:cNvSpPr>
           <p:nvPr>
-            <p:ph type="subTitle" idx="1"/>
+            <p:ph type="title"/>
           </p:nvPr>
         </p:nvSpPr>
         <p:spPr/>
@@ -39721,13 +40025,17 @@
           <a:bodyPr/>
           <a:lstStyle/>
           <a:p>
-            <a:endParaRPr lang="en-US"/>
-          </a:p>
-        </p:txBody>
-      </p:sp>
-      <p:sp>
-        <p:nvSpPr>
-          <p:cNvPr id="4" name="Slide Number Placeholder 3"/>
+            <a:r>
+              <a:rPr lang="en-US" dirty="0" smtClean="0"/>
+              <a:t>This Year</a:t>
+            </a:r>
+            <a:endParaRPr lang="en-US" dirty="0"/>
+          </a:p>
+        </p:txBody>
+      </p:sp>
+      <p:sp>
+        <p:nvSpPr>
+          <p:cNvPr id="7" name="Slide Number Placeholder 6"/>
           <p:cNvSpPr>
             <a:spLocks noGrp="1"/>
           </p:cNvSpPr>
@@ -39740,14 +40048,9 @@
           <a:bodyPr/>
           <a:lstStyle/>
           <a:p>
-            <a:pPr>
-              <a:defRPr/>
-            </a:pPr>
             <a:fld id="{3A857C0F-B001-40B5-9A01-32CB6570D7AB}" type="slidenum">
               <a:rPr lang="en-US" smtClean="0"/>
-              <a:pPr>
-                <a:defRPr/>
-              </a:pPr>
+              <a:pPr/>
               <a:t>5</a:t>
             </a:fld>
             <a:endParaRPr lang="en-US" dirty="0"/>
@@ -39756,7 +40059,7 @@
       </p:sp>
       <p:sp>
         <p:nvSpPr>
-          <p:cNvPr id="5" name="Rectangle 4"/>
+          <p:cNvPr id="8" name="Rectangle 7"/>
           <p:cNvSpPr/>
           <p:nvPr/>
         </p:nvSpPr>
@@ -39797,10 +40100,29 @@
           </a:p>
         </p:txBody>
       </p:sp>
+      <p:sp>
+        <p:nvSpPr>
+          <p:cNvPr id="4" name="Footer Placeholder 3"/>
+          <p:cNvSpPr>
+            <a:spLocks noGrp="1"/>
+          </p:cNvSpPr>
+          <p:nvPr>
+            <p:ph type="ftr" sz="quarter" idx="3"/>
+          </p:nvPr>
+        </p:nvSpPr>
+        <p:spPr/>
+        <p:txBody>
+          <a:bodyPr/>
+          <a:lstStyle/>
+          <a:p>
+            <a:endParaRPr lang="en-US" dirty="0"/>
+          </a:p>
+        </p:txBody>
+      </p:sp>
     </p:spTree>
     <p:extLst>
       <p:ext uri="{BB962C8B-B14F-4D97-AF65-F5344CB8AC3E}">
-        <p14:creationId xmlns:p14="http://schemas.microsoft.com/office/powerpoint/2010/main" val="4050468167"/>
+        <p14:creationId xmlns:p14="http://schemas.microsoft.com/office/powerpoint/2010/main" val="1756891831"/>
       </p:ext>
     </p:extLst>
   </p:cSld>
@@ -39836,12 +40158,12 @@
       </p:grpSpPr>
       <p:sp>
         <p:nvSpPr>
-          <p:cNvPr id="3" name="Content Placeholder 2"/>
+          <p:cNvPr id="2" name="Title 1"/>
           <p:cNvSpPr>
             <a:spLocks noGrp="1"/>
           </p:cNvSpPr>
           <p:nvPr>
-            <p:ph idx="1"/>
+            <p:ph type="ctrTitle"/>
           </p:nvPr>
         </p:nvSpPr>
         <p:spPr/>
@@ -39849,18 +40171,22 @@
           <a:bodyPr/>
           <a:lstStyle/>
           <a:p>
-            <a:endParaRPr lang="en-US"/>
-          </a:p>
-        </p:txBody>
-      </p:sp>
-      <p:sp>
-        <p:nvSpPr>
-          <p:cNvPr id="2" name="Title 1"/>
+            <a:r>
+              <a:rPr lang="en-US" dirty="0" smtClean="0"/>
+              <a:t>Process and Platform</a:t>
+            </a:r>
+            <a:endParaRPr lang="en-US" dirty="0"/>
+          </a:p>
+        </p:txBody>
+      </p:sp>
+      <p:sp>
+        <p:nvSpPr>
+          <p:cNvPr id="3" name="Subtitle 2"/>
           <p:cNvSpPr>
             <a:spLocks noGrp="1"/>
           </p:cNvSpPr>
           <p:nvPr>
-            <p:ph type="title"/>
+            <p:ph type="subTitle" idx="1"/>
           </p:nvPr>
         </p:nvSpPr>
         <p:spPr/>
@@ -39868,17 +40194,13 @@
           <a:bodyPr/>
           <a:lstStyle/>
           <a:p>
-            <a:r>
-              <a:rPr lang="en-US" dirty="0" smtClean="0"/>
-              <a:t>Option 1: Title and Content</a:t>
-            </a:r>
-            <a:endParaRPr lang="en-US" dirty="0"/>
-          </a:p>
-        </p:txBody>
-      </p:sp>
-      <p:sp>
-        <p:nvSpPr>
-          <p:cNvPr id="7" name="Slide Number Placeholder 6"/>
+            <a:endParaRPr lang="en-US"/>
+          </a:p>
+        </p:txBody>
+      </p:sp>
+      <p:sp>
+        <p:nvSpPr>
+          <p:cNvPr id="4" name="Slide Number Placeholder 3"/>
           <p:cNvSpPr>
             <a:spLocks noGrp="1"/>
           </p:cNvSpPr>
@@ -39891,9 +40213,14 @@
           <a:bodyPr/>
           <a:lstStyle/>
           <a:p>
+            <a:pPr>
+              <a:defRPr/>
+            </a:pPr>
             <a:fld id="{3A857C0F-B001-40B5-9A01-32CB6570D7AB}" type="slidenum">
               <a:rPr lang="en-US" smtClean="0"/>
-              <a:pPr/>
+              <a:pPr>
+                <a:defRPr/>
+              </a:pPr>
               <a:t>6</a:t>
             </a:fld>
             <a:endParaRPr lang="en-US" dirty="0"/>
@@ -39902,7 +40229,7 @@
       </p:sp>
       <p:sp>
         <p:nvSpPr>
-          <p:cNvPr id="8" name="Rectangle 7"/>
+          <p:cNvPr id="5" name="Rectangle 4"/>
           <p:cNvSpPr/>
           <p:nvPr/>
         </p:nvSpPr>
@@ -39943,29 +40270,10 @@
           </a:p>
         </p:txBody>
       </p:sp>
-      <p:sp>
-        <p:nvSpPr>
-          <p:cNvPr id="4" name="Footer Placeholder 3"/>
-          <p:cNvSpPr>
-            <a:spLocks noGrp="1"/>
-          </p:cNvSpPr>
-          <p:nvPr>
-            <p:ph type="ftr" sz="quarter" idx="3"/>
-          </p:nvPr>
-        </p:nvSpPr>
-        <p:spPr/>
-        <p:txBody>
-          <a:bodyPr/>
-          <a:lstStyle/>
-          <a:p>
-            <a:endParaRPr lang="en-US" dirty="0"/>
-          </a:p>
-        </p:txBody>
-      </p:sp>
     </p:spTree>
     <p:extLst>
       <p:ext uri="{BB962C8B-B14F-4D97-AF65-F5344CB8AC3E}">
-        <p14:creationId xmlns:p14="http://schemas.microsoft.com/office/powerpoint/2010/main" val="528976871"/>
+        <p14:creationId xmlns:p14="http://schemas.microsoft.com/office/powerpoint/2010/main" val="4050468167"/>
       </p:ext>
     </p:extLst>
   </p:cSld>
@@ -40001,12 +40309,12 @@
       </p:grpSpPr>
       <p:sp>
         <p:nvSpPr>
-          <p:cNvPr id="2" name="Title 1"/>
+          <p:cNvPr id="3" name="Content Placeholder 2"/>
           <p:cNvSpPr>
             <a:spLocks noGrp="1"/>
           </p:cNvSpPr>
           <p:nvPr>
-            <p:ph type="ctrTitle"/>
+            <p:ph idx="1"/>
           </p:nvPr>
         </p:nvSpPr>
         <p:spPr/>
@@ -40014,22 +40322,18 @@
           <a:bodyPr/>
           <a:lstStyle/>
           <a:p>
-            <a:r>
-              <a:rPr lang="en-US" dirty="0" smtClean="0"/>
-              <a:t>Demo</a:t>
-            </a:r>
-            <a:endParaRPr lang="en-US" dirty="0"/>
-          </a:p>
-        </p:txBody>
-      </p:sp>
-      <p:sp>
-        <p:nvSpPr>
-          <p:cNvPr id="3" name="Subtitle 2"/>
+            <a:endParaRPr lang="en-US"/>
+          </a:p>
+        </p:txBody>
+      </p:sp>
+      <p:sp>
+        <p:nvSpPr>
+          <p:cNvPr id="2" name="Title 1"/>
           <p:cNvSpPr>
             <a:spLocks noGrp="1"/>
           </p:cNvSpPr>
           <p:nvPr>
-            <p:ph type="subTitle" idx="1"/>
+            <p:ph type="title"/>
           </p:nvPr>
         </p:nvSpPr>
         <p:spPr/>
@@ -40037,13 +40341,17 @@
           <a:bodyPr/>
           <a:lstStyle/>
           <a:p>
-            <a:endParaRPr lang="en-US"/>
-          </a:p>
-        </p:txBody>
-      </p:sp>
-      <p:sp>
-        <p:nvSpPr>
-          <p:cNvPr id="4" name="Slide Number Placeholder 3"/>
+            <a:r>
+              <a:rPr lang="en-US" dirty="0" smtClean="0"/>
+              <a:t>Option 1: Title and Content</a:t>
+            </a:r>
+            <a:endParaRPr lang="en-US" dirty="0"/>
+          </a:p>
+        </p:txBody>
+      </p:sp>
+      <p:sp>
+        <p:nvSpPr>
+          <p:cNvPr id="7" name="Slide Number Placeholder 6"/>
           <p:cNvSpPr>
             <a:spLocks noGrp="1"/>
           </p:cNvSpPr>
@@ -40056,14 +40364,9 @@
           <a:bodyPr/>
           <a:lstStyle/>
           <a:p>
-            <a:pPr>
-              <a:defRPr/>
-            </a:pPr>
             <a:fld id="{3A857C0F-B001-40B5-9A01-32CB6570D7AB}" type="slidenum">
               <a:rPr lang="en-US" smtClean="0"/>
-              <a:pPr>
-                <a:defRPr/>
-              </a:pPr>
+              <a:pPr/>
               <a:t>7</a:t>
             </a:fld>
             <a:endParaRPr lang="en-US" dirty="0"/>
@@ -40072,7 +40375,7 @@
       </p:sp>
       <p:sp>
         <p:nvSpPr>
-          <p:cNvPr id="5" name="Rectangle 4"/>
+          <p:cNvPr id="8" name="Rectangle 7"/>
           <p:cNvSpPr/>
           <p:nvPr/>
         </p:nvSpPr>
@@ -40113,10 +40416,29 @@
           </a:p>
         </p:txBody>
       </p:sp>
+      <p:sp>
+        <p:nvSpPr>
+          <p:cNvPr id="4" name="Footer Placeholder 3"/>
+          <p:cNvSpPr>
+            <a:spLocks noGrp="1"/>
+          </p:cNvSpPr>
+          <p:nvPr>
+            <p:ph type="ftr" sz="quarter" idx="3"/>
+          </p:nvPr>
+        </p:nvSpPr>
+        <p:spPr/>
+        <p:txBody>
+          <a:bodyPr/>
+          <a:lstStyle/>
+          <a:p>
+            <a:endParaRPr lang="en-US" dirty="0"/>
+          </a:p>
+        </p:txBody>
+      </p:sp>
     </p:spTree>
     <p:extLst>
       <p:ext uri="{BB962C8B-B14F-4D97-AF65-F5344CB8AC3E}">
-        <p14:creationId xmlns:p14="http://schemas.microsoft.com/office/powerpoint/2010/main" val="3570792530"/>
+        <p14:creationId xmlns:p14="http://schemas.microsoft.com/office/powerpoint/2010/main" val="528976871"/>
       </p:ext>
     </p:extLst>
   </p:cSld>
@@ -40167,7 +40489,7 @@
           <a:p>
             <a:r>
               <a:rPr lang="en-US" dirty="0" smtClean="0"/>
-              <a:t>Future Features</a:t>
+              <a:t>Demo</a:t>
             </a:r>
             <a:endParaRPr lang="en-US" dirty="0"/>
           </a:p>
@@ -40267,7 +40589,7 @@
     </p:spTree>
     <p:extLst>
       <p:ext uri="{BB962C8B-B14F-4D97-AF65-F5344CB8AC3E}">
-        <p14:creationId xmlns:p14="http://schemas.microsoft.com/office/powerpoint/2010/main" val="3778846109"/>
+        <p14:creationId xmlns:p14="http://schemas.microsoft.com/office/powerpoint/2010/main" val="3570792530"/>
       </p:ext>
     </p:extLst>
   </p:cSld>
@@ -40303,12 +40625,12 @@
       </p:grpSpPr>
       <p:sp>
         <p:nvSpPr>
-          <p:cNvPr id="3" name="Content Placeholder 2"/>
+          <p:cNvPr id="2" name="Title 1"/>
           <p:cNvSpPr>
             <a:spLocks noGrp="1"/>
           </p:cNvSpPr>
           <p:nvPr>
-            <p:ph idx="1"/>
+            <p:ph type="ctrTitle"/>
           </p:nvPr>
         </p:nvSpPr>
         <p:spPr/>
@@ -40316,18 +40638,22 @@
           <a:bodyPr/>
           <a:lstStyle/>
           <a:p>
-            <a:endParaRPr lang="en-US"/>
-          </a:p>
-        </p:txBody>
-      </p:sp>
-      <p:sp>
-        <p:nvSpPr>
-          <p:cNvPr id="2" name="Title 1"/>
+            <a:r>
+              <a:rPr lang="en-US" dirty="0" smtClean="0"/>
+              <a:t>Future Features</a:t>
+            </a:r>
+            <a:endParaRPr lang="en-US" dirty="0"/>
+          </a:p>
+        </p:txBody>
+      </p:sp>
+      <p:sp>
+        <p:nvSpPr>
+          <p:cNvPr id="3" name="Subtitle 2"/>
           <p:cNvSpPr>
             <a:spLocks noGrp="1"/>
           </p:cNvSpPr>
           <p:nvPr>
-            <p:ph type="title"/>
+            <p:ph type="subTitle" idx="1"/>
           </p:nvPr>
         </p:nvSpPr>
         <p:spPr/>
@@ -40335,17 +40661,13 @@
           <a:bodyPr/>
           <a:lstStyle/>
           <a:p>
-            <a:r>
-              <a:rPr lang="en-US" dirty="0" smtClean="0"/>
-              <a:t>Blogs</a:t>
-            </a:r>
-            <a:endParaRPr lang="en-US" dirty="0"/>
-          </a:p>
-        </p:txBody>
-      </p:sp>
-      <p:sp>
-        <p:nvSpPr>
-          <p:cNvPr id="7" name="Slide Number Placeholder 6"/>
+            <a:endParaRPr lang="en-US"/>
+          </a:p>
+        </p:txBody>
+      </p:sp>
+      <p:sp>
+        <p:nvSpPr>
+          <p:cNvPr id="4" name="Slide Number Placeholder 3"/>
           <p:cNvSpPr>
             <a:spLocks noGrp="1"/>
           </p:cNvSpPr>
@@ -40358,9 +40680,14 @@
           <a:bodyPr/>
           <a:lstStyle/>
           <a:p>
+            <a:pPr>
+              <a:defRPr/>
+            </a:pPr>
             <a:fld id="{3A857C0F-B001-40B5-9A01-32CB6570D7AB}" type="slidenum">
               <a:rPr lang="en-US" smtClean="0"/>
-              <a:pPr/>
+              <a:pPr>
+                <a:defRPr/>
+              </a:pPr>
               <a:t>9</a:t>
             </a:fld>
             <a:endParaRPr lang="en-US" dirty="0"/>
@@ -40369,7 +40696,7 @@
       </p:sp>
       <p:sp>
         <p:nvSpPr>
-          <p:cNvPr id="8" name="Rectangle 7"/>
+          <p:cNvPr id="5" name="Rectangle 4"/>
           <p:cNvSpPr/>
           <p:nvPr/>
         </p:nvSpPr>
@@ -40410,29 +40737,10 @@
           </a:p>
         </p:txBody>
       </p:sp>
-      <p:sp>
-        <p:nvSpPr>
-          <p:cNvPr id="4" name="Footer Placeholder 3"/>
-          <p:cNvSpPr>
-            <a:spLocks noGrp="1"/>
-          </p:cNvSpPr>
-          <p:nvPr>
-            <p:ph type="ftr" sz="quarter" idx="3"/>
-          </p:nvPr>
-        </p:nvSpPr>
-        <p:spPr/>
-        <p:txBody>
-          <a:bodyPr/>
-          <a:lstStyle/>
-          <a:p>
-            <a:endParaRPr lang="en-US" dirty="0"/>
-          </a:p>
-        </p:txBody>
-      </p:sp>
     </p:spTree>
     <p:extLst>
       <p:ext uri="{BB962C8B-B14F-4D97-AF65-F5344CB8AC3E}">
-        <p14:creationId xmlns:p14="http://schemas.microsoft.com/office/powerpoint/2010/main" val="3259647526"/>
+        <p14:creationId xmlns:p14="http://schemas.microsoft.com/office/powerpoint/2010/main" val="3778846109"/>
       </p:ext>
     </p:extLst>
   </p:cSld>

--- a/FinalPresentation.pptx
+++ b/FinalPresentation.pptx
@@ -5,10 +5,10 @@
     <p:sldMasterId id="2147483648" r:id="rId1"/>
   </p:sldMasterIdLst>
   <p:notesMasterIdLst>
-    <p:notesMasterId r:id="rId14"/>
+    <p:notesMasterId r:id="rId16"/>
   </p:notesMasterIdLst>
   <p:handoutMasterIdLst>
-    <p:handoutMasterId r:id="rId15"/>
+    <p:handoutMasterId r:id="rId17"/>
   </p:handoutMasterIdLst>
   <p:sldIdLst>
     <p:sldId id="256" r:id="rId2"/>
@@ -17,12 +17,14 @@
     <p:sldId id="260" r:id="rId5"/>
     <p:sldId id="324" r:id="rId6"/>
     <p:sldId id="311" r:id="rId7"/>
-    <p:sldId id="312" r:id="rId8"/>
-    <p:sldId id="313" r:id="rId9"/>
-    <p:sldId id="315" r:id="rId10"/>
-    <p:sldId id="314" r:id="rId11"/>
-    <p:sldId id="322" r:id="rId12"/>
-    <p:sldId id="323" r:id="rId13"/>
+    <p:sldId id="325" r:id="rId8"/>
+    <p:sldId id="326" r:id="rId9"/>
+    <p:sldId id="327" r:id="rId10"/>
+    <p:sldId id="313" r:id="rId11"/>
+    <p:sldId id="315" r:id="rId12"/>
+    <p:sldId id="314" r:id="rId13"/>
+    <p:sldId id="322" r:id="rId14"/>
+    <p:sldId id="323" r:id="rId15"/>
   </p:sldIdLst>
   <p:sldSz cx="12192000" cy="6858000"/>
   <p:notesSz cx="7010400" cy="9296400"/>
@@ -306,7 +308,7 @@
           <a:p>
             <a:fld id="{8E20AE77-6706-49F8-8E11-B5B8FB42BA60}" type="datetimeFigureOut">
               <a:rPr lang="en-US" smtClean="0"/>
-              <a:t>7/11/2016</a:t>
+              <a:t>7/12/2016</a:t>
             </a:fld>
             <a:endParaRPr lang="en-US" dirty="0"/>
           </a:p>
@@ -963,7 +965,7 @@
     </p:spTree>
     <p:extLst>
       <p:ext uri="{BB962C8B-B14F-4D97-AF65-F5344CB8AC3E}">
-        <p14:creationId xmlns:p14="http://schemas.microsoft.com/office/powerpoint/2010/main" val="4280052291"/>
+        <p14:creationId xmlns:p14="http://schemas.microsoft.com/office/powerpoint/2010/main" val="2037507223"/>
       </p:ext>
     </p:extLst>
   </p:cSld>
@@ -1044,7 +1046,7 @@
               <a:pPr>
                 <a:defRPr/>
               </a:pPr>
-              <a:t>10</a:t>
+              <a:t>12</a:t>
             </a:fld>
             <a:endParaRPr lang="en-US" dirty="0"/>
           </a:p>
@@ -1134,7 +1136,7 @@
               <a:pPr>
                 <a:defRPr/>
               </a:pPr>
-              <a:t>11</a:t>
+              <a:t>13</a:t>
             </a:fld>
             <a:endParaRPr lang="en-US" dirty="0"/>
           </a:p>
@@ -1224,7 +1226,7 @@
               <a:pPr>
                 <a:defRPr/>
               </a:pPr>
-              <a:t>12</a:t>
+              <a:t>14</a:t>
             </a:fld>
             <a:endParaRPr lang="en-US" dirty="0"/>
           </a:p>
@@ -39051,12 +39053,12 @@
       </p:grpSpPr>
       <p:sp>
         <p:nvSpPr>
-          <p:cNvPr id="3" name="Content Placeholder 2"/>
+          <p:cNvPr id="2" name="Title 1"/>
           <p:cNvSpPr>
             <a:spLocks noGrp="1"/>
           </p:cNvSpPr>
           <p:nvPr>
-            <p:ph idx="1"/>
+            <p:ph type="ctrTitle"/>
           </p:nvPr>
         </p:nvSpPr>
         <p:spPr/>
@@ -39064,18 +39066,22 @@
           <a:bodyPr/>
           <a:lstStyle/>
           <a:p>
-            <a:endParaRPr lang="en-US"/>
-          </a:p>
-        </p:txBody>
-      </p:sp>
-      <p:sp>
-        <p:nvSpPr>
-          <p:cNvPr id="2" name="Title 1"/>
+            <a:r>
+              <a:rPr lang="en-US" dirty="0" smtClean="0"/>
+              <a:t>Demo</a:t>
+            </a:r>
+            <a:endParaRPr lang="en-US" dirty="0"/>
+          </a:p>
+        </p:txBody>
+      </p:sp>
+      <p:sp>
+        <p:nvSpPr>
+          <p:cNvPr id="3" name="Subtitle 2"/>
           <p:cNvSpPr>
             <a:spLocks noGrp="1"/>
           </p:cNvSpPr>
           <p:nvPr>
-            <p:ph type="title"/>
+            <p:ph type="subTitle" idx="1"/>
           </p:nvPr>
         </p:nvSpPr>
         <p:spPr/>
@@ -39083,17 +39089,13 @@
           <a:bodyPr/>
           <a:lstStyle/>
           <a:p>
-            <a:r>
-              <a:rPr lang="en-US" dirty="0" smtClean="0"/>
-              <a:t>Blogs</a:t>
-            </a:r>
-            <a:endParaRPr lang="en-US" dirty="0"/>
-          </a:p>
-        </p:txBody>
-      </p:sp>
-      <p:sp>
-        <p:nvSpPr>
-          <p:cNvPr id="7" name="Slide Number Placeholder 6"/>
+            <a:endParaRPr lang="en-US"/>
+          </a:p>
+        </p:txBody>
+      </p:sp>
+      <p:sp>
+        <p:nvSpPr>
+          <p:cNvPr id="4" name="Slide Number Placeholder 3"/>
           <p:cNvSpPr>
             <a:spLocks noGrp="1"/>
           </p:cNvSpPr>
@@ -39106,9 +39108,14 @@
           <a:bodyPr/>
           <a:lstStyle/>
           <a:p>
+            <a:pPr>
+              <a:defRPr/>
+            </a:pPr>
             <a:fld id="{3A857C0F-B001-40B5-9A01-32CB6570D7AB}" type="slidenum">
               <a:rPr lang="en-US" smtClean="0"/>
-              <a:pPr/>
+              <a:pPr>
+                <a:defRPr/>
+              </a:pPr>
               <a:t>10</a:t>
             </a:fld>
             <a:endParaRPr lang="en-US" dirty="0"/>
@@ -39117,7 +39124,7 @@
       </p:sp>
       <p:sp>
         <p:nvSpPr>
-          <p:cNvPr id="8" name="Rectangle 7"/>
+          <p:cNvPr id="5" name="Rectangle 4"/>
           <p:cNvSpPr/>
           <p:nvPr/>
         </p:nvSpPr>
@@ -39158,29 +39165,10 @@
           </a:p>
         </p:txBody>
       </p:sp>
-      <p:sp>
-        <p:nvSpPr>
-          <p:cNvPr id="4" name="Footer Placeholder 3"/>
-          <p:cNvSpPr>
-            <a:spLocks noGrp="1"/>
-          </p:cNvSpPr>
-          <p:nvPr>
-            <p:ph type="ftr" sz="quarter" idx="3"/>
-          </p:nvPr>
-        </p:nvSpPr>
-        <p:spPr/>
-        <p:txBody>
-          <a:bodyPr/>
-          <a:lstStyle/>
-          <a:p>
-            <a:endParaRPr lang="en-US" dirty="0"/>
-          </a:p>
-        </p:txBody>
-      </p:sp>
     </p:spTree>
     <p:extLst>
       <p:ext uri="{BB962C8B-B14F-4D97-AF65-F5344CB8AC3E}">
-        <p14:creationId xmlns:p14="http://schemas.microsoft.com/office/powerpoint/2010/main" val="3259647526"/>
+        <p14:creationId xmlns:p14="http://schemas.microsoft.com/office/powerpoint/2010/main" val="3570792530"/>
       </p:ext>
     </p:extLst>
   </p:cSld>
@@ -39216,12 +39204,12 @@
       </p:grpSpPr>
       <p:sp>
         <p:nvSpPr>
-          <p:cNvPr id="3" name="Content Placeholder 2"/>
+          <p:cNvPr id="2" name="Title 1"/>
           <p:cNvSpPr>
             <a:spLocks noGrp="1"/>
           </p:cNvSpPr>
           <p:nvPr>
-            <p:ph idx="1"/>
+            <p:ph type="ctrTitle"/>
           </p:nvPr>
         </p:nvSpPr>
         <p:spPr/>
@@ -39229,18 +39217,22 @@
           <a:bodyPr/>
           <a:lstStyle/>
           <a:p>
-            <a:endParaRPr lang="en-US"/>
-          </a:p>
-        </p:txBody>
-      </p:sp>
-      <p:sp>
-        <p:nvSpPr>
-          <p:cNvPr id="2" name="Title 1"/>
+            <a:r>
+              <a:rPr lang="en-US" dirty="0" smtClean="0"/>
+              <a:t>Future Features</a:t>
+            </a:r>
+            <a:endParaRPr lang="en-US" dirty="0"/>
+          </a:p>
+        </p:txBody>
+      </p:sp>
+      <p:sp>
+        <p:nvSpPr>
+          <p:cNvPr id="3" name="Subtitle 2"/>
           <p:cNvSpPr>
             <a:spLocks noGrp="1"/>
           </p:cNvSpPr>
           <p:nvPr>
-            <p:ph type="title"/>
+            <p:ph type="subTitle" idx="1"/>
           </p:nvPr>
         </p:nvSpPr>
         <p:spPr/>
@@ -39248,17 +39240,13 @@
           <a:bodyPr/>
           <a:lstStyle/>
           <a:p>
-            <a:r>
-              <a:rPr lang="en-US" dirty="0" smtClean="0"/>
-              <a:t>Assignments</a:t>
-            </a:r>
-            <a:endParaRPr lang="en-US" dirty="0"/>
-          </a:p>
-        </p:txBody>
-      </p:sp>
-      <p:sp>
-        <p:nvSpPr>
-          <p:cNvPr id="7" name="Slide Number Placeholder 6"/>
+            <a:endParaRPr lang="en-US"/>
+          </a:p>
+        </p:txBody>
+      </p:sp>
+      <p:sp>
+        <p:nvSpPr>
+          <p:cNvPr id="4" name="Slide Number Placeholder 3"/>
           <p:cNvSpPr>
             <a:spLocks noGrp="1"/>
           </p:cNvSpPr>
@@ -39271,9 +39259,14 @@
           <a:bodyPr/>
           <a:lstStyle/>
           <a:p>
+            <a:pPr>
+              <a:defRPr/>
+            </a:pPr>
             <a:fld id="{3A857C0F-B001-40B5-9A01-32CB6570D7AB}" type="slidenum">
               <a:rPr lang="en-US" smtClean="0"/>
-              <a:pPr/>
+              <a:pPr>
+                <a:defRPr/>
+              </a:pPr>
               <a:t>11</a:t>
             </a:fld>
             <a:endParaRPr lang="en-US" dirty="0"/>
@@ -39282,7 +39275,7 @@
       </p:sp>
       <p:sp>
         <p:nvSpPr>
-          <p:cNvPr id="8" name="Rectangle 7"/>
+          <p:cNvPr id="5" name="Rectangle 4"/>
           <p:cNvSpPr/>
           <p:nvPr/>
         </p:nvSpPr>
@@ -39323,29 +39316,10 @@
           </a:p>
         </p:txBody>
       </p:sp>
-      <p:sp>
-        <p:nvSpPr>
-          <p:cNvPr id="4" name="Footer Placeholder 3"/>
-          <p:cNvSpPr>
-            <a:spLocks noGrp="1"/>
-          </p:cNvSpPr>
-          <p:nvPr>
-            <p:ph type="ftr" sz="quarter" idx="3"/>
-          </p:nvPr>
-        </p:nvSpPr>
-        <p:spPr/>
-        <p:txBody>
-          <a:bodyPr/>
-          <a:lstStyle/>
-          <a:p>
-            <a:endParaRPr lang="en-US" dirty="0"/>
-          </a:p>
-        </p:txBody>
-      </p:sp>
     </p:spTree>
     <p:extLst>
       <p:ext uri="{BB962C8B-B14F-4D97-AF65-F5344CB8AC3E}">
-        <p14:creationId xmlns:p14="http://schemas.microsoft.com/office/powerpoint/2010/main" val="3902528447"/>
+        <p14:creationId xmlns:p14="http://schemas.microsoft.com/office/powerpoint/2010/main" val="3778846109"/>
       </p:ext>
     </p:extLst>
   </p:cSld>
@@ -39415,7 +39389,7 @@
           <a:p>
             <a:r>
               <a:rPr lang="en-US" dirty="0" smtClean="0"/>
-              <a:t>Profiles</a:t>
+              <a:t>Blogs</a:t>
             </a:r>
             <a:endParaRPr lang="en-US" dirty="0"/>
           </a:p>
@@ -39440,6 +39414,336 @@
               <a:rPr lang="en-US" smtClean="0"/>
               <a:pPr/>
               <a:t>12</a:t>
+            </a:fld>
+            <a:endParaRPr lang="en-US" dirty="0"/>
+          </a:p>
+        </p:txBody>
+      </p:sp>
+      <p:sp>
+        <p:nvSpPr>
+          <p:cNvPr id="8" name="Rectangle 7"/>
+          <p:cNvSpPr/>
+          <p:nvPr/>
+        </p:nvSpPr>
+        <p:spPr>
+          <a:xfrm>
+            <a:off x="685800" y="6529373"/>
+            <a:ext cx="3429000" cy="200055"/>
+          </a:xfrm>
+          <a:prstGeom prst="rect">
+            <a:avLst/>
+          </a:prstGeom>
+        </p:spPr>
+        <p:txBody>
+          <a:bodyPr wrap="none" anchor="ctr" anchorCtr="0">
+            <a:noAutofit/>
+          </a:bodyPr>
+          <a:lstStyle/>
+          <a:p>
+            <a:pPr eaLnBrk="0" hangingPunct="0"/>
+            <a:r>
+              <a:rPr lang="en-US" sz="700" dirty="0">
+                <a:latin typeface="+mn-lt"/>
+              </a:rPr>
+              <a:t>Copyright © </a:t>
+            </a:r>
+            <a:r>
+              <a:rPr lang="en-US" sz="700" dirty="0" smtClean="0">
+                <a:latin typeface="+mn-lt"/>
+              </a:rPr>
+              <a:t>2016 </a:t>
+            </a:r>
+            <a:r>
+              <a:rPr lang="en-US" sz="700" dirty="0">
+                <a:latin typeface="+mn-lt"/>
+              </a:rPr>
+              <a:t>Gallup, Inc. All rights reserved.</a:t>
+            </a:r>
+          </a:p>
+        </p:txBody>
+      </p:sp>
+      <p:sp>
+        <p:nvSpPr>
+          <p:cNvPr id="4" name="Footer Placeholder 3"/>
+          <p:cNvSpPr>
+            <a:spLocks noGrp="1"/>
+          </p:cNvSpPr>
+          <p:nvPr>
+            <p:ph type="ftr" sz="quarter" idx="3"/>
+          </p:nvPr>
+        </p:nvSpPr>
+        <p:spPr/>
+        <p:txBody>
+          <a:bodyPr/>
+          <a:lstStyle/>
+          <a:p>
+            <a:endParaRPr lang="en-US" dirty="0"/>
+          </a:p>
+        </p:txBody>
+      </p:sp>
+    </p:spTree>
+    <p:extLst>
+      <p:ext uri="{BB962C8B-B14F-4D97-AF65-F5344CB8AC3E}">
+        <p14:creationId xmlns:p14="http://schemas.microsoft.com/office/powerpoint/2010/main" val="3259647526"/>
+      </p:ext>
+    </p:extLst>
+  </p:cSld>
+  <p:clrMapOvr>
+    <a:masterClrMapping/>
+  </p:clrMapOvr>
+  <p:timing>
+    <p:tnLst>
+      <p:par>
+        <p:cTn id="1" dur="indefinite" restart="never" nodeType="tmRoot"/>
+      </p:par>
+    </p:tnLst>
+  </p:timing>
+</p:sld>
+</file>
+
+<file path=ppt/slides/slide13.xml><?xml version="1.0" encoding="utf-8"?>
+<p:sld xmlns:a="http://schemas.openxmlformats.org/drawingml/2006/main" xmlns:r="http://schemas.openxmlformats.org/officeDocument/2006/relationships" xmlns:p="http://schemas.openxmlformats.org/presentationml/2006/main">
+  <p:cSld>
+    <p:spTree>
+      <p:nvGrpSpPr>
+        <p:cNvPr id="1" name=""/>
+        <p:cNvGrpSpPr/>
+        <p:nvPr/>
+      </p:nvGrpSpPr>
+      <p:grpSpPr>
+        <a:xfrm>
+          <a:off x="0" y="0"/>
+          <a:ext cx="0" cy="0"/>
+          <a:chOff x="0" y="0"/>
+          <a:chExt cx="0" cy="0"/>
+        </a:xfrm>
+      </p:grpSpPr>
+      <p:sp>
+        <p:nvSpPr>
+          <p:cNvPr id="3" name="Content Placeholder 2"/>
+          <p:cNvSpPr>
+            <a:spLocks noGrp="1"/>
+          </p:cNvSpPr>
+          <p:nvPr>
+            <p:ph idx="1"/>
+          </p:nvPr>
+        </p:nvSpPr>
+        <p:spPr/>
+        <p:txBody>
+          <a:bodyPr/>
+          <a:lstStyle/>
+          <a:p>
+            <a:endParaRPr lang="en-US"/>
+          </a:p>
+        </p:txBody>
+      </p:sp>
+      <p:sp>
+        <p:nvSpPr>
+          <p:cNvPr id="2" name="Title 1"/>
+          <p:cNvSpPr>
+            <a:spLocks noGrp="1"/>
+          </p:cNvSpPr>
+          <p:nvPr>
+            <p:ph type="title"/>
+          </p:nvPr>
+        </p:nvSpPr>
+        <p:spPr/>
+        <p:txBody>
+          <a:bodyPr/>
+          <a:lstStyle/>
+          <a:p>
+            <a:r>
+              <a:rPr lang="en-US" dirty="0" smtClean="0"/>
+              <a:t>Assignments</a:t>
+            </a:r>
+            <a:endParaRPr lang="en-US" dirty="0"/>
+          </a:p>
+        </p:txBody>
+      </p:sp>
+      <p:sp>
+        <p:nvSpPr>
+          <p:cNvPr id="7" name="Slide Number Placeholder 6"/>
+          <p:cNvSpPr>
+            <a:spLocks noGrp="1"/>
+          </p:cNvSpPr>
+          <p:nvPr>
+            <p:ph type="sldNum" sz="quarter" idx="4"/>
+          </p:nvPr>
+        </p:nvSpPr>
+        <p:spPr/>
+        <p:txBody>
+          <a:bodyPr/>
+          <a:lstStyle/>
+          <a:p>
+            <a:fld id="{3A857C0F-B001-40B5-9A01-32CB6570D7AB}" type="slidenum">
+              <a:rPr lang="en-US" smtClean="0"/>
+              <a:pPr/>
+              <a:t>13</a:t>
+            </a:fld>
+            <a:endParaRPr lang="en-US" dirty="0"/>
+          </a:p>
+        </p:txBody>
+      </p:sp>
+      <p:sp>
+        <p:nvSpPr>
+          <p:cNvPr id="8" name="Rectangle 7"/>
+          <p:cNvSpPr/>
+          <p:nvPr/>
+        </p:nvSpPr>
+        <p:spPr>
+          <a:xfrm>
+            <a:off x="685800" y="6529373"/>
+            <a:ext cx="3429000" cy="200055"/>
+          </a:xfrm>
+          <a:prstGeom prst="rect">
+            <a:avLst/>
+          </a:prstGeom>
+        </p:spPr>
+        <p:txBody>
+          <a:bodyPr wrap="none" anchor="ctr" anchorCtr="0">
+            <a:noAutofit/>
+          </a:bodyPr>
+          <a:lstStyle/>
+          <a:p>
+            <a:pPr eaLnBrk="0" hangingPunct="0"/>
+            <a:r>
+              <a:rPr lang="en-US" sz="700" dirty="0">
+                <a:latin typeface="+mn-lt"/>
+              </a:rPr>
+              <a:t>Copyright © </a:t>
+            </a:r>
+            <a:r>
+              <a:rPr lang="en-US" sz="700" dirty="0" smtClean="0">
+                <a:latin typeface="+mn-lt"/>
+              </a:rPr>
+              <a:t>2016 </a:t>
+            </a:r>
+            <a:r>
+              <a:rPr lang="en-US" sz="700" dirty="0">
+                <a:latin typeface="+mn-lt"/>
+              </a:rPr>
+              <a:t>Gallup, Inc. All rights reserved.</a:t>
+            </a:r>
+          </a:p>
+        </p:txBody>
+      </p:sp>
+      <p:sp>
+        <p:nvSpPr>
+          <p:cNvPr id="4" name="Footer Placeholder 3"/>
+          <p:cNvSpPr>
+            <a:spLocks noGrp="1"/>
+          </p:cNvSpPr>
+          <p:nvPr>
+            <p:ph type="ftr" sz="quarter" idx="3"/>
+          </p:nvPr>
+        </p:nvSpPr>
+        <p:spPr/>
+        <p:txBody>
+          <a:bodyPr/>
+          <a:lstStyle/>
+          <a:p>
+            <a:endParaRPr lang="en-US" dirty="0"/>
+          </a:p>
+        </p:txBody>
+      </p:sp>
+    </p:spTree>
+    <p:extLst>
+      <p:ext uri="{BB962C8B-B14F-4D97-AF65-F5344CB8AC3E}">
+        <p14:creationId xmlns:p14="http://schemas.microsoft.com/office/powerpoint/2010/main" val="3902528447"/>
+      </p:ext>
+    </p:extLst>
+  </p:cSld>
+  <p:clrMapOvr>
+    <a:masterClrMapping/>
+  </p:clrMapOvr>
+  <p:timing>
+    <p:tnLst>
+      <p:par>
+        <p:cTn id="1" dur="indefinite" restart="never" nodeType="tmRoot"/>
+      </p:par>
+    </p:tnLst>
+  </p:timing>
+</p:sld>
+</file>
+
+<file path=ppt/slides/slide14.xml><?xml version="1.0" encoding="utf-8"?>
+<p:sld xmlns:a="http://schemas.openxmlformats.org/drawingml/2006/main" xmlns:r="http://schemas.openxmlformats.org/officeDocument/2006/relationships" xmlns:p="http://schemas.openxmlformats.org/presentationml/2006/main">
+  <p:cSld>
+    <p:spTree>
+      <p:nvGrpSpPr>
+        <p:cNvPr id="1" name=""/>
+        <p:cNvGrpSpPr/>
+        <p:nvPr/>
+      </p:nvGrpSpPr>
+      <p:grpSpPr>
+        <a:xfrm>
+          <a:off x="0" y="0"/>
+          <a:ext cx="0" cy="0"/>
+          <a:chOff x="0" y="0"/>
+          <a:chExt cx="0" cy="0"/>
+        </a:xfrm>
+      </p:grpSpPr>
+      <p:sp>
+        <p:nvSpPr>
+          <p:cNvPr id="3" name="Content Placeholder 2"/>
+          <p:cNvSpPr>
+            <a:spLocks noGrp="1"/>
+          </p:cNvSpPr>
+          <p:nvPr>
+            <p:ph idx="1"/>
+          </p:nvPr>
+        </p:nvSpPr>
+        <p:spPr/>
+        <p:txBody>
+          <a:bodyPr/>
+          <a:lstStyle/>
+          <a:p>
+            <a:endParaRPr lang="en-US"/>
+          </a:p>
+        </p:txBody>
+      </p:sp>
+      <p:sp>
+        <p:nvSpPr>
+          <p:cNvPr id="2" name="Title 1"/>
+          <p:cNvSpPr>
+            <a:spLocks noGrp="1"/>
+          </p:cNvSpPr>
+          <p:nvPr>
+            <p:ph type="title"/>
+          </p:nvPr>
+        </p:nvSpPr>
+        <p:spPr/>
+        <p:txBody>
+          <a:bodyPr/>
+          <a:lstStyle/>
+          <a:p>
+            <a:r>
+              <a:rPr lang="en-US" dirty="0" smtClean="0"/>
+              <a:t>Profiles</a:t>
+            </a:r>
+            <a:endParaRPr lang="en-US" dirty="0"/>
+          </a:p>
+        </p:txBody>
+      </p:sp>
+      <p:sp>
+        <p:nvSpPr>
+          <p:cNvPr id="7" name="Slide Number Placeholder 6"/>
+          <p:cNvSpPr>
+            <a:spLocks noGrp="1"/>
+          </p:cNvSpPr>
+          <p:nvPr>
+            <p:ph type="sldNum" sz="quarter" idx="4"/>
+          </p:nvPr>
+        </p:nvSpPr>
+        <p:spPr/>
+        <p:txBody>
+          <a:bodyPr/>
+          <a:lstStyle/>
+          <a:p>
+            <a:fld id="{3A857C0F-B001-40B5-9A01-32CB6570D7AB}" type="slidenum">
+              <a:rPr lang="en-US" smtClean="0"/>
+              <a:pPr/>
+              <a:t>14</a:t>
             </a:fld>
             <a:endParaRPr lang="en-US" dirty="0"/>
           </a:p>
@@ -39811,7 +40115,6 @@
               <a:rPr lang="en-US" dirty="0" smtClean="0"/>
               <a:t>No uniformity between classes</a:t>
             </a:r>
-            <a:endParaRPr lang="en-US" dirty="0" smtClean="0"/>
           </a:p>
         </p:txBody>
       </p:sp>
@@ -40322,7 +40625,35 @@
           <a:bodyPr/>
           <a:lstStyle/>
           <a:p>
-            <a:endParaRPr lang="en-US"/>
+            <a:r>
+              <a:rPr lang="en-US" dirty="0" smtClean="0"/>
+              <a:t>Open Source</a:t>
+            </a:r>
+          </a:p>
+          <a:p>
+            <a:r>
+              <a:rPr lang="en-US" dirty="0" smtClean="0"/>
+              <a:t>Integrates Front and Back End Development</a:t>
+            </a:r>
+          </a:p>
+          <a:p>
+            <a:r>
+              <a:rPr lang="en-US" dirty="0" smtClean="0"/>
+              <a:t>JavaScript Based</a:t>
+            </a:r>
+          </a:p>
+          <a:p>
+            <a:r>
+              <a:rPr lang="en-US" dirty="0" smtClean="0"/>
+              <a:t>Merges Stylesheets, and removes redundant information.</a:t>
+            </a:r>
+          </a:p>
+          <a:p>
+            <a:r>
+              <a:rPr lang="en-US" dirty="0" smtClean="0"/>
+              <a:t>Allows for cross-platform coding, and helps continuous mobile developing.  </a:t>
+            </a:r>
+            <a:endParaRPr lang="en-US" dirty="0"/>
           </a:p>
         </p:txBody>
       </p:sp>
@@ -40343,7 +40674,7 @@
           <a:p>
             <a:r>
               <a:rPr lang="en-US" dirty="0" smtClean="0"/>
-              <a:t>Option 1: Title and Content</a:t>
+              <a:t>Meteor</a:t>
             </a:r>
             <a:endParaRPr lang="en-US" dirty="0"/>
           </a:p>
@@ -40438,7 +40769,7 @@
     </p:spTree>
     <p:extLst>
       <p:ext uri="{BB962C8B-B14F-4D97-AF65-F5344CB8AC3E}">
-        <p14:creationId xmlns:p14="http://schemas.microsoft.com/office/powerpoint/2010/main" val="528976871"/>
+        <p14:creationId xmlns:p14="http://schemas.microsoft.com/office/powerpoint/2010/main" val="3402290799"/>
       </p:ext>
     </p:extLst>
   </p:cSld>
@@ -40474,12 +40805,12 @@
       </p:grpSpPr>
       <p:sp>
         <p:nvSpPr>
-          <p:cNvPr id="2" name="Title 1"/>
+          <p:cNvPr id="2" name="Content Placeholder 1"/>
           <p:cNvSpPr>
             <a:spLocks noGrp="1"/>
           </p:cNvSpPr>
           <p:nvPr>
-            <p:ph type="ctrTitle"/>
+            <p:ph idx="1"/>
           </p:nvPr>
         </p:nvSpPr>
         <p:spPr/>
@@ -40489,20 +40820,25 @@
           <a:p>
             <a:r>
               <a:rPr lang="en-US" dirty="0" smtClean="0"/>
-              <a:t>Demo</a:t>
-            </a:r>
-            <a:endParaRPr lang="en-US" dirty="0"/>
-          </a:p>
-        </p:txBody>
-      </p:sp>
-      <p:sp>
-        <p:nvSpPr>
-          <p:cNvPr id="3" name="Subtitle 2"/>
+              <a:t>A Document Oriented Database</a:t>
+            </a:r>
+          </a:p>
+          <a:p>
+            <a:r>
+              <a:rPr lang="en-US" dirty="0" smtClean="0"/>
+              <a:t>Allows Dynamic Web hosting</a:t>
+            </a:r>
+          </a:p>
+        </p:txBody>
+      </p:sp>
+      <p:sp>
+        <p:nvSpPr>
+          <p:cNvPr id="3" name="Title 2"/>
           <p:cNvSpPr>
             <a:spLocks noGrp="1"/>
           </p:cNvSpPr>
           <p:nvPr>
-            <p:ph type="subTitle" idx="1"/>
+            <p:ph type="title"/>
           </p:nvPr>
         </p:nvSpPr>
         <p:spPr/>
@@ -40510,7 +40846,11 @@
           <a:bodyPr/>
           <a:lstStyle/>
           <a:p>
-            <a:endParaRPr lang="en-US"/>
+            <a:r>
+              <a:rPr lang="en-US" dirty="0" smtClean="0"/>
+              <a:t>MongoDB</a:t>
+            </a:r>
+            <a:endParaRPr lang="en-US" dirty="0"/>
           </a:p>
         </p:txBody>
       </p:sp>
@@ -40543,66 +40883,16 @@
           </a:p>
         </p:txBody>
       </p:sp>
-      <p:sp>
-        <p:nvSpPr>
-          <p:cNvPr id="5" name="Rectangle 4"/>
-          <p:cNvSpPr/>
-          <p:nvPr/>
-        </p:nvSpPr>
-        <p:spPr>
-          <a:xfrm>
-            <a:off x="685800" y="6529373"/>
-            <a:ext cx="3429000" cy="200055"/>
-          </a:xfrm>
-          <a:prstGeom prst="rect">
-            <a:avLst/>
-          </a:prstGeom>
-        </p:spPr>
-        <p:txBody>
-          <a:bodyPr wrap="none" anchor="ctr" anchorCtr="0">
-            <a:noAutofit/>
-          </a:bodyPr>
-          <a:lstStyle/>
-          <a:p>
-            <a:pPr eaLnBrk="0" hangingPunct="0"/>
-            <a:r>
-              <a:rPr lang="en-US" sz="700" dirty="0">
-                <a:latin typeface="+mn-lt"/>
-              </a:rPr>
-              <a:t>Copyright © </a:t>
-            </a:r>
-            <a:r>
-              <a:rPr lang="en-US" sz="700" dirty="0" smtClean="0">
-                <a:latin typeface="+mn-lt"/>
-              </a:rPr>
-              <a:t>2016 </a:t>
-            </a:r>
-            <a:r>
-              <a:rPr lang="en-US" sz="700" dirty="0">
-                <a:latin typeface="+mn-lt"/>
-              </a:rPr>
-              <a:t>Gallup, Inc. All rights reserved.</a:t>
-            </a:r>
-          </a:p>
-        </p:txBody>
-      </p:sp>
     </p:spTree>
     <p:extLst>
       <p:ext uri="{BB962C8B-B14F-4D97-AF65-F5344CB8AC3E}">
-        <p14:creationId xmlns:p14="http://schemas.microsoft.com/office/powerpoint/2010/main" val="3570792530"/>
+        <p14:creationId xmlns:p14="http://schemas.microsoft.com/office/powerpoint/2010/main" val="988895068"/>
       </p:ext>
     </p:extLst>
   </p:cSld>
   <p:clrMapOvr>
     <a:masterClrMapping/>
   </p:clrMapOvr>
-  <p:timing>
-    <p:tnLst>
-      <p:par>
-        <p:cTn id="1" dur="indefinite" restart="never" nodeType="tmRoot"/>
-      </p:par>
-    </p:tnLst>
-  </p:timing>
 </p:sld>
 </file>
 
@@ -40625,12 +40915,12 @@
       </p:grpSpPr>
       <p:sp>
         <p:nvSpPr>
-          <p:cNvPr id="2" name="Title 1"/>
+          <p:cNvPr id="2" name="Content Placeholder 1"/>
           <p:cNvSpPr>
             <a:spLocks noGrp="1"/>
           </p:cNvSpPr>
           <p:nvPr>
-            <p:ph type="ctrTitle"/>
+            <p:ph idx="1"/>
           </p:nvPr>
         </p:nvSpPr>
         <p:spPr/>
@@ -40640,28 +40930,53 @@
           <a:p>
             <a:r>
               <a:rPr lang="en-US" dirty="0" smtClean="0"/>
-              <a:t>Future Features</a:t>
-            </a:r>
-            <a:endParaRPr lang="en-US" dirty="0"/>
-          </a:p>
-        </p:txBody>
-      </p:sp>
-      <p:sp>
-        <p:nvSpPr>
-          <p:cNvPr id="3" name="Subtitle 2"/>
+              <a:t>Blogs</a:t>
+            </a:r>
+          </a:p>
+          <a:p>
+            <a:r>
+              <a:rPr lang="en-US" dirty="0" smtClean="0"/>
+              <a:t>Assignments</a:t>
+            </a:r>
+          </a:p>
+          <a:p>
+            <a:r>
+              <a:rPr lang="en-US" smtClean="0"/>
+              <a:t>Profiles/Attendance</a:t>
+            </a:r>
+            <a:endParaRPr lang="en-US" dirty="0" smtClean="0"/>
+          </a:p>
+          <a:p>
+            <a:pPr lvl="1"/>
+            <a:endParaRPr lang="en-US" dirty="0"/>
+          </a:p>
+        </p:txBody>
+      </p:sp>
+      <p:sp>
+        <p:nvSpPr>
+          <p:cNvPr id="3" name="Title 2"/>
           <p:cNvSpPr>
             <a:spLocks noGrp="1"/>
           </p:cNvSpPr>
           <p:nvPr>
-            <p:ph type="subTitle" idx="1"/>
-          </p:nvPr>
-        </p:nvSpPr>
-        <p:spPr/>
+            <p:ph type="title"/>
+          </p:nvPr>
+        </p:nvSpPr>
+        <p:spPr>
+          <a:xfrm>
+            <a:off x="230124" y="226594"/>
+            <a:ext cx="11731752" cy="523220"/>
+          </a:xfrm>
+        </p:spPr>
         <p:txBody>
           <a:bodyPr/>
           <a:lstStyle/>
           <a:p>
-            <a:endParaRPr lang="en-US"/>
+            <a:r>
+              <a:rPr lang="en-US" dirty="0" smtClean="0"/>
+              <a:t>Groups</a:t>
+            </a:r>
+            <a:endParaRPr lang="en-US" dirty="0"/>
           </a:p>
         </p:txBody>
       </p:sp>
@@ -40694,66 +41009,16 @@
           </a:p>
         </p:txBody>
       </p:sp>
-      <p:sp>
-        <p:nvSpPr>
-          <p:cNvPr id="5" name="Rectangle 4"/>
-          <p:cNvSpPr/>
-          <p:nvPr/>
-        </p:nvSpPr>
-        <p:spPr>
-          <a:xfrm>
-            <a:off x="685800" y="6529373"/>
-            <a:ext cx="3429000" cy="200055"/>
-          </a:xfrm>
-          <a:prstGeom prst="rect">
-            <a:avLst/>
-          </a:prstGeom>
-        </p:spPr>
-        <p:txBody>
-          <a:bodyPr wrap="none" anchor="ctr" anchorCtr="0">
-            <a:noAutofit/>
-          </a:bodyPr>
-          <a:lstStyle/>
-          <a:p>
-            <a:pPr eaLnBrk="0" hangingPunct="0"/>
-            <a:r>
-              <a:rPr lang="en-US" sz="700" dirty="0">
-                <a:latin typeface="+mn-lt"/>
-              </a:rPr>
-              <a:t>Copyright © </a:t>
-            </a:r>
-            <a:r>
-              <a:rPr lang="en-US" sz="700" dirty="0" smtClean="0">
-                <a:latin typeface="+mn-lt"/>
-              </a:rPr>
-              <a:t>2016 </a:t>
-            </a:r>
-            <a:r>
-              <a:rPr lang="en-US" sz="700" dirty="0">
-                <a:latin typeface="+mn-lt"/>
-              </a:rPr>
-              <a:t>Gallup, Inc. All rights reserved.</a:t>
-            </a:r>
-          </a:p>
-        </p:txBody>
-      </p:sp>
     </p:spTree>
     <p:extLst>
       <p:ext uri="{BB962C8B-B14F-4D97-AF65-F5344CB8AC3E}">
-        <p14:creationId xmlns:p14="http://schemas.microsoft.com/office/powerpoint/2010/main" val="3778846109"/>
+        <p14:creationId xmlns:p14="http://schemas.microsoft.com/office/powerpoint/2010/main" val="3824922459"/>
       </p:ext>
     </p:extLst>
   </p:cSld>
   <p:clrMapOvr>
     <a:masterClrMapping/>
   </p:clrMapOvr>
-  <p:timing>
-    <p:tnLst>
-      <p:par>
-        <p:cTn id="1" dur="indefinite" restart="never" nodeType="tmRoot"/>
-      </p:par>
-    </p:tnLst>
-  </p:timing>
 </p:sld>
 </file>
 

--- a/FinalPresentation.pptx
+++ b/FinalPresentation.pptx
@@ -5,10 +5,10 @@
     <p:sldMasterId id="2147483648" r:id="rId1"/>
   </p:sldMasterIdLst>
   <p:notesMasterIdLst>
-    <p:notesMasterId r:id="rId16"/>
+    <p:notesMasterId r:id="rId14"/>
   </p:notesMasterIdLst>
   <p:handoutMasterIdLst>
-    <p:handoutMasterId r:id="rId17"/>
+    <p:handoutMasterId r:id="rId15"/>
   </p:handoutMasterIdLst>
   <p:sldIdLst>
     <p:sldId id="256" r:id="rId2"/>
@@ -17,14 +17,12 @@
     <p:sldId id="260" r:id="rId5"/>
     <p:sldId id="324" r:id="rId6"/>
     <p:sldId id="311" r:id="rId7"/>
-    <p:sldId id="325" r:id="rId8"/>
-    <p:sldId id="326" r:id="rId9"/>
-    <p:sldId id="327" r:id="rId10"/>
-    <p:sldId id="313" r:id="rId11"/>
-    <p:sldId id="315" r:id="rId12"/>
-    <p:sldId id="314" r:id="rId13"/>
-    <p:sldId id="322" r:id="rId14"/>
-    <p:sldId id="323" r:id="rId15"/>
+    <p:sldId id="312" r:id="rId8"/>
+    <p:sldId id="313" r:id="rId9"/>
+    <p:sldId id="315" r:id="rId10"/>
+    <p:sldId id="314" r:id="rId11"/>
+    <p:sldId id="322" r:id="rId12"/>
+    <p:sldId id="323" r:id="rId13"/>
   </p:sldIdLst>
   <p:sldSz cx="12192000" cy="6858000"/>
   <p:notesSz cx="7010400" cy="9296400"/>
@@ -308,7 +306,7 @@
           <a:p>
             <a:fld id="{8E20AE77-6706-49F8-8E11-B5B8FB42BA60}" type="datetimeFigureOut">
               <a:rPr lang="en-US" smtClean="0"/>
-              <a:t>7/12/2016</a:t>
+              <a:t>7/11/2016</a:t>
             </a:fld>
             <a:endParaRPr lang="en-US" dirty="0"/>
           </a:p>
@@ -965,7 +963,7 @@
     </p:spTree>
     <p:extLst>
       <p:ext uri="{BB962C8B-B14F-4D97-AF65-F5344CB8AC3E}">
-        <p14:creationId xmlns:p14="http://schemas.microsoft.com/office/powerpoint/2010/main" val="2037507223"/>
+        <p14:creationId xmlns:p14="http://schemas.microsoft.com/office/powerpoint/2010/main" val="4280052291"/>
       </p:ext>
     </p:extLst>
   </p:cSld>
@@ -1046,7 +1044,7 @@
               <a:pPr>
                 <a:defRPr/>
               </a:pPr>
-              <a:t>12</a:t>
+              <a:t>10</a:t>
             </a:fld>
             <a:endParaRPr lang="en-US" dirty="0"/>
           </a:p>
@@ -1136,7 +1134,7 @@
               <a:pPr>
                 <a:defRPr/>
               </a:pPr>
-              <a:t>13</a:t>
+              <a:t>11</a:t>
             </a:fld>
             <a:endParaRPr lang="en-US" dirty="0"/>
           </a:p>
@@ -1226,7 +1224,7 @@
               <a:pPr>
                 <a:defRPr/>
               </a:pPr>
-              <a:t>14</a:t>
+              <a:t>12</a:t>
             </a:fld>
             <a:endParaRPr lang="en-US" dirty="0"/>
           </a:p>
@@ -39053,12 +39051,12 @@
       </p:grpSpPr>
       <p:sp>
         <p:nvSpPr>
-          <p:cNvPr id="2" name="Title 1"/>
+          <p:cNvPr id="3" name="Content Placeholder 2"/>
           <p:cNvSpPr>
             <a:spLocks noGrp="1"/>
           </p:cNvSpPr>
           <p:nvPr>
-            <p:ph type="ctrTitle"/>
+            <p:ph idx="1"/>
           </p:nvPr>
         </p:nvSpPr>
         <p:spPr/>
@@ -39066,22 +39064,18 @@
           <a:bodyPr/>
           <a:lstStyle/>
           <a:p>
-            <a:r>
-              <a:rPr lang="en-US" dirty="0" smtClean="0"/>
-              <a:t>Demo</a:t>
-            </a:r>
-            <a:endParaRPr lang="en-US" dirty="0"/>
-          </a:p>
-        </p:txBody>
-      </p:sp>
-      <p:sp>
-        <p:nvSpPr>
-          <p:cNvPr id="3" name="Subtitle 2"/>
+            <a:endParaRPr lang="en-US"/>
+          </a:p>
+        </p:txBody>
+      </p:sp>
+      <p:sp>
+        <p:nvSpPr>
+          <p:cNvPr id="2" name="Title 1"/>
           <p:cNvSpPr>
             <a:spLocks noGrp="1"/>
           </p:cNvSpPr>
           <p:nvPr>
-            <p:ph type="subTitle" idx="1"/>
+            <p:ph type="title"/>
           </p:nvPr>
         </p:nvSpPr>
         <p:spPr/>
@@ -39089,13 +39083,17 @@
           <a:bodyPr/>
           <a:lstStyle/>
           <a:p>
-            <a:endParaRPr lang="en-US"/>
-          </a:p>
-        </p:txBody>
-      </p:sp>
-      <p:sp>
-        <p:nvSpPr>
-          <p:cNvPr id="4" name="Slide Number Placeholder 3"/>
+            <a:r>
+              <a:rPr lang="en-US" dirty="0" smtClean="0"/>
+              <a:t>Blogs</a:t>
+            </a:r>
+            <a:endParaRPr lang="en-US" dirty="0"/>
+          </a:p>
+        </p:txBody>
+      </p:sp>
+      <p:sp>
+        <p:nvSpPr>
+          <p:cNvPr id="7" name="Slide Number Placeholder 6"/>
           <p:cNvSpPr>
             <a:spLocks noGrp="1"/>
           </p:cNvSpPr>
@@ -39108,14 +39106,9 @@
           <a:bodyPr/>
           <a:lstStyle/>
           <a:p>
-            <a:pPr>
-              <a:defRPr/>
-            </a:pPr>
             <a:fld id="{3A857C0F-B001-40B5-9A01-32CB6570D7AB}" type="slidenum">
               <a:rPr lang="en-US" smtClean="0"/>
-              <a:pPr>
-                <a:defRPr/>
-              </a:pPr>
+              <a:pPr/>
               <a:t>10</a:t>
             </a:fld>
             <a:endParaRPr lang="en-US" dirty="0"/>
@@ -39124,7 +39117,7 @@
       </p:sp>
       <p:sp>
         <p:nvSpPr>
-          <p:cNvPr id="5" name="Rectangle 4"/>
+          <p:cNvPr id="8" name="Rectangle 7"/>
           <p:cNvSpPr/>
           <p:nvPr/>
         </p:nvSpPr>
@@ -39165,10 +39158,29 @@
           </a:p>
         </p:txBody>
       </p:sp>
+      <p:sp>
+        <p:nvSpPr>
+          <p:cNvPr id="4" name="Footer Placeholder 3"/>
+          <p:cNvSpPr>
+            <a:spLocks noGrp="1"/>
+          </p:cNvSpPr>
+          <p:nvPr>
+            <p:ph type="ftr" sz="quarter" idx="3"/>
+          </p:nvPr>
+        </p:nvSpPr>
+        <p:spPr/>
+        <p:txBody>
+          <a:bodyPr/>
+          <a:lstStyle/>
+          <a:p>
+            <a:endParaRPr lang="en-US" dirty="0"/>
+          </a:p>
+        </p:txBody>
+      </p:sp>
     </p:spTree>
     <p:extLst>
       <p:ext uri="{BB962C8B-B14F-4D97-AF65-F5344CB8AC3E}">
-        <p14:creationId xmlns:p14="http://schemas.microsoft.com/office/powerpoint/2010/main" val="3570792530"/>
+        <p14:creationId xmlns:p14="http://schemas.microsoft.com/office/powerpoint/2010/main" val="3259647526"/>
       </p:ext>
     </p:extLst>
   </p:cSld>
@@ -39204,12 +39216,12 @@
       </p:grpSpPr>
       <p:sp>
         <p:nvSpPr>
-          <p:cNvPr id="2" name="Title 1"/>
+          <p:cNvPr id="3" name="Content Placeholder 2"/>
           <p:cNvSpPr>
             <a:spLocks noGrp="1"/>
           </p:cNvSpPr>
           <p:nvPr>
-            <p:ph type="ctrTitle"/>
+            <p:ph idx="1"/>
           </p:nvPr>
         </p:nvSpPr>
         <p:spPr/>
@@ -39217,22 +39229,18 @@
           <a:bodyPr/>
           <a:lstStyle/>
           <a:p>
-            <a:r>
-              <a:rPr lang="en-US" dirty="0" smtClean="0"/>
-              <a:t>Future Features</a:t>
-            </a:r>
-            <a:endParaRPr lang="en-US" dirty="0"/>
-          </a:p>
-        </p:txBody>
-      </p:sp>
-      <p:sp>
-        <p:nvSpPr>
-          <p:cNvPr id="3" name="Subtitle 2"/>
+            <a:endParaRPr lang="en-US"/>
+          </a:p>
+        </p:txBody>
+      </p:sp>
+      <p:sp>
+        <p:nvSpPr>
+          <p:cNvPr id="2" name="Title 1"/>
           <p:cNvSpPr>
             <a:spLocks noGrp="1"/>
           </p:cNvSpPr>
           <p:nvPr>
-            <p:ph type="subTitle" idx="1"/>
+            <p:ph type="title"/>
           </p:nvPr>
         </p:nvSpPr>
         <p:spPr/>
@@ -39240,13 +39248,17 @@
           <a:bodyPr/>
           <a:lstStyle/>
           <a:p>
-            <a:endParaRPr lang="en-US"/>
-          </a:p>
-        </p:txBody>
-      </p:sp>
-      <p:sp>
-        <p:nvSpPr>
-          <p:cNvPr id="4" name="Slide Number Placeholder 3"/>
+            <a:r>
+              <a:rPr lang="en-US" dirty="0" smtClean="0"/>
+              <a:t>Assignments</a:t>
+            </a:r>
+            <a:endParaRPr lang="en-US" dirty="0"/>
+          </a:p>
+        </p:txBody>
+      </p:sp>
+      <p:sp>
+        <p:nvSpPr>
+          <p:cNvPr id="7" name="Slide Number Placeholder 6"/>
           <p:cNvSpPr>
             <a:spLocks noGrp="1"/>
           </p:cNvSpPr>
@@ -39259,14 +39271,9 @@
           <a:bodyPr/>
           <a:lstStyle/>
           <a:p>
-            <a:pPr>
-              <a:defRPr/>
-            </a:pPr>
             <a:fld id="{3A857C0F-B001-40B5-9A01-32CB6570D7AB}" type="slidenum">
               <a:rPr lang="en-US" smtClean="0"/>
-              <a:pPr>
-                <a:defRPr/>
-              </a:pPr>
+              <a:pPr/>
               <a:t>11</a:t>
             </a:fld>
             <a:endParaRPr lang="en-US" dirty="0"/>
@@ -39275,7 +39282,7 @@
       </p:sp>
       <p:sp>
         <p:nvSpPr>
-          <p:cNvPr id="5" name="Rectangle 4"/>
+          <p:cNvPr id="8" name="Rectangle 7"/>
           <p:cNvSpPr/>
           <p:nvPr/>
         </p:nvSpPr>
@@ -39316,10 +39323,29 @@
           </a:p>
         </p:txBody>
       </p:sp>
+      <p:sp>
+        <p:nvSpPr>
+          <p:cNvPr id="4" name="Footer Placeholder 3"/>
+          <p:cNvSpPr>
+            <a:spLocks noGrp="1"/>
+          </p:cNvSpPr>
+          <p:nvPr>
+            <p:ph type="ftr" sz="quarter" idx="3"/>
+          </p:nvPr>
+        </p:nvSpPr>
+        <p:spPr/>
+        <p:txBody>
+          <a:bodyPr/>
+          <a:lstStyle/>
+          <a:p>
+            <a:endParaRPr lang="en-US" dirty="0"/>
+          </a:p>
+        </p:txBody>
+      </p:sp>
     </p:spTree>
     <p:extLst>
       <p:ext uri="{BB962C8B-B14F-4D97-AF65-F5344CB8AC3E}">
-        <p14:creationId xmlns:p14="http://schemas.microsoft.com/office/powerpoint/2010/main" val="3778846109"/>
+        <p14:creationId xmlns:p14="http://schemas.microsoft.com/office/powerpoint/2010/main" val="3902528447"/>
       </p:ext>
     </p:extLst>
   </p:cSld>
@@ -39389,7 +39415,7 @@
           <a:p>
             <a:r>
               <a:rPr lang="en-US" dirty="0" smtClean="0"/>
-              <a:t>Blogs</a:t>
+              <a:t>Profiles</a:t>
             </a:r>
             <a:endParaRPr lang="en-US" dirty="0"/>
           </a:p>
@@ -39414,336 +39440,6 @@
               <a:rPr lang="en-US" smtClean="0"/>
               <a:pPr/>
               <a:t>12</a:t>
-            </a:fld>
-            <a:endParaRPr lang="en-US" dirty="0"/>
-          </a:p>
-        </p:txBody>
-      </p:sp>
-      <p:sp>
-        <p:nvSpPr>
-          <p:cNvPr id="8" name="Rectangle 7"/>
-          <p:cNvSpPr/>
-          <p:nvPr/>
-        </p:nvSpPr>
-        <p:spPr>
-          <a:xfrm>
-            <a:off x="685800" y="6529373"/>
-            <a:ext cx="3429000" cy="200055"/>
-          </a:xfrm>
-          <a:prstGeom prst="rect">
-            <a:avLst/>
-          </a:prstGeom>
-        </p:spPr>
-        <p:txBody>
-          <a:bodyPr wrap="none" anchor="ctr" anchorCtr="0">
-            <a:noAutofit/>
-          </a:bodyPr>
-          <a:lstStyle/>
-          <a:p>
-            <a:pPr eaLnBrk="0" hangingPunct="0"/>
-            <a:r>
-              <a:rPr lang="en-US" sz="700" dirty="0">
-                <a:latin typeface="+mn-lt"/>
-              </a:rPr>
-              <a:t>Copyright © </a:t>
-            </a:r>
-            <a:r>
-              <a:rPr lang="en-US" sz="700" dirty="0" smtClean="0">
-                <a:latin typeface="+mn-lt"/>
-              </a:rPr>
-              <a:t>2016 </a:t>
-            </a:r>
-            <a:r>
-              <a:rPr lang="en-US" sz="700" dirty="0">
-                <a:latin typeface="+mn-lt"/>
-              </a:rPr>
-              <a:t>Gallup, Inc. All rights reserved.</a:t>
-            </a:r>
-          </a:p>
-        </p:txBody>
-      </p:sp>
-      <p:sp>
-        <p:nvSpPr>
-          <p:cNvPr id="4" name="Footer Placeholder 3"/>
-          <p:cNvSpPr>
-            <a:spLocks noGrp="1"/>
-          </p:cNvSpPr>
-          <p:nvPr>
-            <p:ph type="ftr" sz="quarter" idx="3"/>
-          </p:nvPr>
-        </p:nvSpPr>
-        <p:spPr/>
-        <p:txBody>
-          <a:bodyPr/>
-          <a:lstStyle/>
-          <a:p>
-            <a:endParaRPr lang="en-US" dirty="0"/>
-          </a:p>
-        </p:txBody>
-      </p:sp>
-    </p:spTree>
-    <p:extLst>
-      <p:ext uri="{BB962C8B-B14F-4D97-AF65-F5344CB8AC3E}">
-        <p14:creationId xmlns:p14="http://schemas.microsoft.com/office/powerpoint/2010/main" val="3259647526"/>
-      </p:ext>
-    </p:extLst>
-  </p:cSld>
-  <p:clrMapOvr>
-    <a:masterClrMapping/>
-  </p:clrMapOvr>
-  <p:timing>
-    <p:tnLst>
-      <p:par>
-        <p:cTn id="1" dur="indefinite" restart="never" nodeType="tmRoot"/>
-      </p:par>
-    </p:tnLst>
-  </p:timing>
-</p:sld>
-</file>
-
-<file path=ppt/slides/slide13.xml><?xml version="1.0" encoding="utf-8"?>
-<p:sld xmlns:a="http://schemas.openxmlformats.org/drawingml/2006/main" xmlns:r="http://schemas.openxmlformats.org/officeDocument/2006/relationships" xmlns:p="http://schemas.openxmlformats.org/presentationml/2006/main">
-  <p:cSld>
-    <p:spTree>
-      <p:nvGrpSpPr>
-        <p:cNvPr id="1" name=""/>
-        <p:cNvGrpSpPr/>
-        <p:nvPr/>
-      </p:nvGrpSpPr>
-      <p:grpSpPr>
-        <a:xfrm>
-          <a:off x="0" y="0"/>
-          <a:ext cx="0" cy="0"/>
-          <a:chOff x="0" y="0"/>
-          <a:chExt cx="0" cy="0"/>
-        </a:xfrm>
-      </p:grpSpPr>
-      <p:sp>
-        <p:nvSpPr>
-          <p:cNvPr id="3" name="Content Placeholder 2"/>
-          <p:cNvSpPr>
-            <a:spLocks noGrp="1"/>
-          </p:cNvSpPr>
-          <p:nvPr>
-            <p:ph idx="1"/>
-          </p:nvPr>
-        </p:nvSpPr>
-        <p:spPr/>
-        <p:txBody>
-          <a:bodyPr/>
-          <a:lstStyle/>
-          <a:p>
-            <a:endParaRPr lang="en-US"/>
-          </a:p>
-        </p:txBody>
-      </p:sp>
-      <p:sp>
-        <p:nvSpPr>
-          <p:cNvPr id="2" name="Title 1"/>
-          <p:cNvSpPr>
-            <a:spLocks noGrp="1"/>
-          </p:cNvSpPr>
-          <p:nvPr>
-            <p:ph type="title"/>
-          </p:nvPr>
-        </p:nvSpPr>
-        <p:spPr/>
-        <p:txBody>
-          <a:bodyPr/>
-          <a:lstStyle/>
-          <a:p>
-            <a:r>
-              <a:rPr lang="en-US" dirty="0" smtClean="0"/>
-              <a:t>Assignments</a:t>
-            </a:r>
-            <a:endParaRPr lang="en-US" dirty="0"/>
-          </a:p>
-        </p:txBody>
-      </p:sp>
-      <p:sp>
-        <p:nvSpPr>
-          <p:cNvPr id="7" name="Slide Number Placeholder 6"/>
-          <p:cNvSpPr>
-            <a:spLocks noGrp="1"/>
-          </p:cNvSpPr>
-          <p:nvPr>
-            <p:ph type="sldNum" sz="quarter" idx="4"/>
-          </p:nvPr>
-        </p:nvSpPr>
-        <p:spPr/>
-        <p:txBody>
-          <a:bodyPr/>
-          <a:lstStyle/>
-          <a:p>
-            <a:fld id="{3A857C0F-B001-40B5-9A01-32CB6570D7AB}" type="slidenum">
-              <a:rPr lang="en-US" smtClean="0"/>
-              <a:pPr/>
-              <a:t>13</a:t>
-            </a:fld>
-            <a:endParaRPr lang="en-US" dirty="0"/>
-          </a:p>
-        </p:txBody>
-      </p:sp>
-      <p:sp>
-        <p:nvSpPr>
-          <p:cNvPr id="8" name="Rectangle 7"/>
-          <p:cNvSpPr/>
-          <p:nvPr/>
-        </p:nvSpPr>
-        <p:spPr>
-          <a:xfrm>
-            <a:off x="685800" y="6529373"/>
-            <a:ext cx="3429000" cy="200055"/>
-          </a:xfrm>
-          <a:prstGeom prst="rect">
-            <a:avLst/>
-          </a:prstGeom>
-        </p:spPr>
-        <p:txBody>
-          <a:bodyPr wrap="none" anchor="ctr" anchorCtr="0">
-            <a:noAutofit/>
-          </a:bodyPr>
-          <a:lstStyle/>
-          <a:p>
-            <a:pPr eaLnBrk="0" hangingPunct="0"/>
-            <a:r>
-              <a:rPr lang="en-US" sz="700" dirty="0">
-                <a:latin typeface="+mn-lt"/>
-              </a:rPr>
-              <a:t>Copyright © </a:t>
-            </a:r>
-            <a:r>
-              <a:rPr lang="en-US" sz="700" dirty="0" smtClean="0">
-                <a:latin typeface="+mn-lt"/>
-              </a:rPr>
-              <a:t>2016 </a:t>
-            </a:r>
-            <a:r>
-              <a:rPr lang="en-US" sz="700" dirty="0">
-                <a:latin typeface="+mn-lt"/>
-              </a:rPr>
-              <a:t>Gallup, Inc. All rights reserved.</a:t>
-            </a:r>
-          </a:p>
-        </p:txBody>
-      </p:sp>
-      <p:sp>
-        <p:nvSpPr>
-          <p:cNvPr id="4" name="Footer Placeholder 3"/>
-          <p:cNvSpPr>
-            <a:spLocks noGrp="1"/>
-          </p:cNvSpPr>
-          <p:nvPr>
-            <p:ph type="ftr" sz="quarter" idx="3"/>
-          </p:nvPr>
-        </p:nvSpPr>
-        <p:spPr/>
-        <p:txBody>
-          <a:bodyPr/>
-          <a:lstStyle/>
-          <a:p>
-            <a:endParaRPr lang="en-US" dirty="0"/>
-          </a:p>
-        </p:txBody>
-      </p:sp>
-    </p:spTree>
-    <p:extLst>
-      <p:ext uri="{BB962C8B-B14F-4D97-AF65-F5344CB8AC3E}">
-        <p14:creationId xmlns:p14="http://schemas.microsoft.com/office/powerpoint/2010/main" val="3902528447"/>
-      </p:ext>
-    </p:extLst>
-  </p:cSld>
-  <p:clrMapOvr>
-    <a:masterClrMapping/>
-  </p:clrMapOvr>
-  <p:timing>
-    <p:tnLst>
-      <p:par>
-        <p:cTn id="1" dur="indefinite" restart="never" nodeType="tmRoot"/>
-      </p:par>
-    </p:tnLst>
-  </p:timing>
-</p:sld>
-</file>
-
-<file path=ppt/slides/slide14.xml><?xml version="1.0" encoding="utf-8"?>
-<p:sld xmlns:a="http://schemas.openxmlformats.org/drawingml/2006/main" xmlns:r="http://schemas.openxmlformats.org/officeDocument/2006/relationships" xmlns:p="http://schemas.openxmlformats.org/presentationml/2006/main">
-  <p:cSld>
-    <p:spTree>
-      <p:nvGrpSpPr>
-        <p:cNvPr id="1" name=""/>
-        <p:cNvGrpSpPr/>
-        <p:nvPr/>
-      </p:nvGrpSpPr>
-      <p:grpSpPr>
-        <a:xfrm>
-          <a:off x="0" y="0"/>
-          <a:ext cx="0" cy="0"/>
-          <a:chOff x="0" y="0"/>
-          <a:chExt cx="0" cy="0"/>
-        </a:xfrm>
-      </p:grpSpPr>
-      <p:sp>
-        <p:nvSpPr>
-          <p:cNvPr id="3" name="Content Placeholder 2"/>
-          <p:cNvSpPr>
-            <a:spLocks noGrp="1"/>
-          </p:cNvSpPr>
-          <p:nvPr>
-            <p:ph idx="1"/>
-          </p:nvPr>
-        </p:nvSpPr>
-        <p:spPr/>
-        <p:txBody>
-          <a:bodyPr/>
-          <a:lstStyle/>
-          <a:p>
-            <a:endParaRPr lang="en-US"/>
-          </a:p>
-        </p:txBody>
-      </p:sp>
-      <p:sp>
-        <p:nvSpPr>
-          <p:cNvPr id="2" name="Title 1"/>
-          <p:cNvSpPr>
-            <a:spLocks noGrp="1"/>
-          </p:cNvSpPr>
-          <p:nvPr>
-            <p:ph type="title"/>
-          </p:nvPr>
-        </p:nvSpPr>
-        <p:spPr/>
-        <p:txBody>
-          <a:bodyPr/>
-          <a:lstStyle/>
-          <a:p>
-            <a:r>
-              <a:rPr lang="en-US" dirty="0" smtClean="0"/>
-              <a:t>Profiles</a:t>
-            </a:r>
-            <a:endParaRPr lang="en-US" dirty="0"/>
-          </a:p>
-        </p:txBody>
-      </p:sp>
-      <p:sp>
-        <p:nvSpPr>
-          <p:cNvPr id="7" name="Slide Number Placeholder 6"/>
-          <p:cNvSpPr>
-            <a:spLocks noGrp="1"/>
-          </p:cNvSpPr>
-          <p:nvPr>
-            <p:ph type="sldNum" sz="quarter" idx="4"/>
-          </p:nvPr>
-        </p:nvSpPr>
-        <p:spPr/>
-        <p:txBody>
-          <a:bodyPr/>
-          <a:lstStyle/>
-          <a:p>
-            <a:fld id="{3A857C0F-B001-40B5-9A01-32CB6570D7AB}" type="slidenum">
-              <a:rPr lang="en-US" smtClean="0"/>
-              <a:pPr/>
-              <a:t>14</a:t>
             </a:fld>
             <a:endParaRPr lang="en-US" dirty="0"/>
           </a:p>
@@ -40115,6 +39811,7 @@
               <a:rPr lang="en-US" dirty="0" smtClean="0"/>
               <a:t>No uniformity between classes</a:t>
             </a:r>
+            <a:endParaRPr lang="en-US" dirty="0" smtClean="0"/>
           </a:p>
         </p:txBody>
       </p:sp>
@@ -40625,35 +40322,7 @@
           <a:bodyPr/>
           <a:lstStyle/>
           <a:p>
-            <a:r>
-              <a:rPr lang="en-US" dirty="0" smtClean="0"/>
-              <a:t>Open Source</a:t>
-            </a:r>
-          </a:p>
-          <a:p>
-            <a:r>
-              <a:rPr lang="en-US" dirty="0" smtClean="0"/>
-              <a:t>Integrates Front and Back End Development</a:t>
-            </a:r>
-          </a:p>
-          <a:p>
-            <a:r>
-              <a:rPr lang="en-US" dirty="0" smtClean="0"/>
-              <a:t>JavaScript Based</a:t>
-            </a:r>
-          </a:p>
-          <a:p>
-            <a:r>
-              <a:rPr lang="en-US" dirty="0" smtClean="0"/>
-              <a:t>Merges Stylesheets, and removes redundant information.</a:t>
-            </a:r>
-          </a:p>
-          <a:p>
-            <a:r>
-              <a:rPr lang="en-US" dirty="0" smtClean="0"/>
-              <a:t>Allows for cross-platform coding, and helps continuous mobile developing.  </a:t>
-            </a:r>
-            <a:endParaRPr lang="en-US" dirty="0"/>
+            <a:endParaRPr lang="en-US"/>
           </a:p>
         </p:txBody>
       </p:sp>
@@ -40674,7 +40343,7 @@
           <a:p>
             <a:r>
               <a:rPr lang="en-US" dirty="0" smtClean="0"/>
-              <a:t>Meteor</a:t>
+              <a:t>Option 1: Title and Content</a:t>
             </a:r>
             <a:endParaRPr lang="en-US" dirty="0"/>
           </a:p>
@@ -40769,7 +40438,7 @@
     </p:spTree>
     <p:extLst>
       <p:ext uri="{BB962C8B-B14F-4D97-AF65-F5344CB8AC3E}">
-        <p14:creationId xmlns:p14="http://schemas.microsoft.com/office/powerpoint/2010/main" val="3402290799"/>
+        <p14:creationId xmlns:p14="http://schemas.microsoft.com/office/powerpoint/2010/main" val="528976871"/>
       </p:ext>
     </p:extLst>
   </p:cSld>
@@ -40805,12 +40474,12 @@
       </p:grpSpPr>
       <p:sp>
         <p:nvSpPr>
-          <p:cNvPr id="2" name="Content Placeholder 1"/>
+          <p:cNvPr id="2" name="Title 1"/>
           <p:cNvSpPr>
             <a:spLocks noGrp="1"/>
           </p:cNvSpPr>
           <p:nvPr>
-            <p:ph idx="1"/>
+            <p:ph type="ctrTitle"/>
           </p:nvPr>
         </p:nvSpPr>
         <p:spPr/>
@@ -40820,25 +40489,20 @@
           <a:p>
             <a:r>
               <a:rPr lang="en-US" dirty="0" smtClean="0"/>
-              <a:t>A Document Oriented Database</a:t>
-            </a:r>
-          </a:p>
-          <a:p>
-            <a:r>
-              <a:rPr lang="en-US" dirty="0" smtClean="0"/>
-              <a:t>Allows Dynamic Web hosting</a:t>
-            </a:r>
-          </a:p>
-        </p:txBody>
-      </p:sp>
-      <p:sp>
-        <p:nvSpPr>
-          <p:cNvPr id="3" name="Title 2"/>
+              <a:t>Demo</a:t>
+            </a:r>
+            <a:endParaRPr lang="en-US" dirty="0"/>
+          </a:p>
+        </p:txBody>
+      </p:sp>
+      <p:sp>
+        <p:nvSpPr>
+          <p:cNvPr id="3" name="Subtitle 2"/>
           <p:cNvSpPr>
             <a:spLocks noGrp="1"/>
           </p:cNvSpPr>
           <p:nvPr>
-            <p:ph type="title"/>
+            <p:ph type="subTitle" idx="1"/>
           </p:nvPr>
         </p:nvSpPr>
         <p:spPr/>
@@ -40846,11 +40510,7 @@
           <a:bodyPr/>
           <a:lstStyle/>
           <a:p>
-            <a:r>
-              <a:rPr lang="en-US" dirty="0" smtClean="0"/>
-              <a:t>MongoDB</a:t>
-            </a:r>
-            <a:endParaRPr lang="en-US" dirty="0"/>
+            <a:endParaRPr lang="en-US"/>
           </a:p>
         </p:txBody>
       </p:sp>
@@ -40883,16 +40543,66 @@
           </a:p>
         </p:txBody>
       </p:sp>
+      <p:sp>
+        <p:nvSpPr>
+          <p:cNvPr id="5" name="Rectangle 4"/>
+          <p:cNvSpPr/>
+          <p:nvPr/>
+        </p:nvSpPr>
+        <p:spPr>
+          <a:xfrm>
+            <a:off x="685800" y="6529373"/>
+            <a:ext cx="3429000" cy="200055"/>
+          </a:xfrm>
+          <a:prstGeom prst="rect">
+            <a:avLst/>
+          </a:prstGeom>
+        </p:spPr>
+        <p:txBody>
+          <a:bodyPr wrap="none" anchor="ctr" anchorCtr="0">
+            <a:noAutofit/>
+          </a:bodyPr>
+          <a:lstStyle/>
+          <a:p>
+            <a:pPr eaLnBrk="0" hangingPunct="0"/>
+            <a:r>
+              <a:rPr lang="en-US" sz="700" dirty="0">
+                <a:latin typeface="+mn-lt"/>
+              </a:rPr>
+              <a:t>Copyright © </a:t>
+            </a:r>
+            <a:r>
+              <a:rPr lang="en-US" sz="700" dirty="0" smtClean="0">
+                <a:latin typeface="+mn-lt"/>
+              </a:rPr>
+              <a:t>2016 </a:t>
+            </a:r>
+            <a:r>
+              <a:rPr lang="en-US" sz="700" dirty="0">
+                <a:latin typeface="+mn-lt"/>
+              </a:rPr>
+              <a:t>Gallup, Inc. All rights reserved.</a:t>
+            </a:r>
+          </a:p>
+        </p:txBody>
+      </p:sp>
     </p:spTree>
     <p:extLst>
       <p:ext uri="{BB962C8B-B14F-4D97-AF65-F5344CB8AC3E}">
-        <p14:creationId xmlns:p14="http://schemas.microsoft.com/office/powerpoint/2010/main" val="988895068"/>
+        <p14:creationId xmlns:p14="http://schemas.microsoft.com/office/powerpoint/2010/main" val="3570792530"/>
       </p:ext>
     </p:extLst>
   </p:cSld>
   <p:clrMapOvr>
     <a:masterClrMapping/>
   </p:clrMapOvr>
+  <p:timing>
+    <p:tnLst>
+      <p:par>
+        <p:cTn id="1" dur="indefinite" restart="never" nodeType="tmRoot"/>
+      </p:par>
+    </p:tnLst>
+  </p:timing>
 </p:sld>
 </file>
 
@@ -40915,12 +40625,12 @@
       </p:grpSpPr>
       <p:sp>
         <p:nvSpPr>
-          <p:cNvPr id="2" name="Content Placeholder 1"/>
+          <p:cNvPr id="2" name="Title 1"/>
           <p:cNvSpPr>
             <a:spLocks noGrp="1"/>
           </p:cNvSpPr>
           <p:nvPr>
-            <p:ph idx="1"/>
+            <p:ph type="ctrTitle"/>
           </p:nvPr>
         </p:nvSpPr>
         <p:spPr/>
@@ -40930,53 +40640,28 @@
           <a:p>
             <a:r>
               <a:rPr lang="en-US" dirty="0" smtClean="0"/>
-              <a:t>Blogs</a:t>
-            </a:r>
-          </a:p>
-          <a:p>
-            <a:r>
-              <a:rPr lang="en-US" dirty="0" smtClean="0"/>
-              <a:t>Assignments</a:t>
-            </a:r>
-          </a:p>
-          <a:p>
-            <a:r>
-              <a:rPr lang="en-US" smtClean="0"/>
-              <a:t>Profiles/Attendance</a:t>
-            </a:r>
-            <a:endParaRPr lang="en-US" dirty="0" smtClean="0"/>
-          </a:p>
-          <a:p>
-            <a:pPr lvl="1"/>
-            <a:endParaRPr lang="en-US" dirty="0"/>
-          </a:p>
-        </p:txBody>
-      </p:sp>
-      <p:sp>
-        <p:nvSpPr>
-          <p:cNvPr id="3" name="Title 2"/>
+              <a:t>Future Features</a:t>
+            </a:r>
+            <a:endParaRPr lang="en-US" dirty="0"/>
+          </a:p>
+        </p:txBody>
+      </p:sp>
+      <p:sp>
+        <p:nvSpPr>
+          <p:cNvPr id="3" name="Subtitle 2"/>
           <p:cNvSpPr>
             <a:spLocks noGrp="1"/>
           </p:cNvSpPr>
           <p:nvPr>
-            <p:ph type="title"/>
-          </p:nvPr>
-        </p:nvSpPr>
-        <p:spPr>
-          <a:xfrm>
-            <a:off x="230124" y="226594"/>
-            <a:ext cx="11731752" cy="523220"/>
-          </a:xfrm>
-        </p:spPr>
+            <p:ph type="subTitle" idx="1"/>
+          </p:nvPr>
+        </p:nvSpPr>
+        <p:spPr/>
         <p:txBody>
           <a:bodyPr/>
           <a:lstStyle/>
           <a:p>
-            <a:r>
-              <a:rPr lang="en-US" dirty="0" smtClean="0"/>
-              <a:t>Groups</a:t>
-            </a:r>
-            <a:endParaRPr lang="en-US" dirty="0"/>
+            <a:endParaRPr lang="en-US"/>
           </a:p>
         </p:txBody>
       </p:sp>
@@ -41009,16 +40694,66 @@
           </a:p>
         </p:txBody>
       </p:sp>
+      <p:sp>
+        <p:nvSpPr>
+          <p:cNvPr id="5" name="Rectangle 4"/>
+          <p:cNvSpPr/>
+          <p:nvPr/>
+        </p:nvSpPr>
+        <p:spPr>
+          <a:xfrm>
+            <a:off x="685800" y="6529373"/>
+            <a:ext cx="3429000" cy="200055"/>
+          </a:xfrm>
+          <a:prstGeom prst="rect">
+            <a:avLst/>
+          </a:prstGeom>
+        </p:spPr>
+        <p:txBody>
+          <a:bodyPr wrap="none" anchor="ctr" anchorCtr="0">
+            <a:noAutofit/>
+          </a:bodyPr>
+          <a:lstStyle/>
+          <a:p>
+            <a:pPr eaLnBrk="0" hangingPunct="0"/>
+            <a:r>
+              <a:rPr lang="en-US" sz="700" dirty="0">
+                <a:latin typeface="+mn-lt"/>
+              </a:rPr>
+              <a:t>Copyright © </a:t>
+            </a:r>
+            <a:r>
+              <a:rPr lang="en-US" sz="700" dirty="0" smtClean="0">
+                <a:latin typeface="+mn-lt"/>
+              </a:rPr>
+              <a:t>2016 </a:t>
+            </a:r>
+            <a:r>
+              <a:rPr lang="en-US" sz="700" dirty="0">
+                <a:latin typeface="+mn-lt"/>
+              </a:rPr>
+              <a:t>Gallup, Inc. All rights reserved.</a:t>
+            </a:r>
+          </a:p>
+        </p:txBody>
+      </p:sp>
     </p:spTree>
     <p:extLst>
       <p:ext uri="{BB962C8B-B14F-4D97-AF65-F5344CB8AC3E}">
-        <p14:creationId xmlns:p14="http://schemas.microsoft.com/office/powerpoint/2010/main" val="3824922459"/>
+        <p14:creationId xmlns:p14="http://schemas.microsoft.com/office/powerpoint/2010/main" val="3778846109"/>
       </p:ext>
     </p:extLst>
   </p:cSld>
   <p:clrMapOvr>
     <a:masterClrMapping/>
   </p:clrMapOvr>
+  <p:timing>
+    <p:tnLst>
+      <p:par>
+        <p:cTn id="1" dur="indefinite" restart="never" nodeType="tmRoot"/>
+      </p:par>
+    </p:tnLst>
+  </p:timing>
 </p:sld>
 </file>
 

--- a/FinalPresentation.pptx
+++ b/FinalPresentation.pptx
@@ -22,8 +22,8 @@
     <p:sldId id="327" r:id="rId10"/>
     <p:sldId id="313" r:id="rId11"/>
     <p:sldId id="315" r:id="rId12"/>
-    <p:sldId id="314" r:id="rId13"/>
-    <p:sldId id="322" r:id="rId14"/>
+    <p:sldId id="328" r:id="rId13"/>
+    <p:sldId id="329" r:id="rId14"/>
     <p:sldId id="323" r:id="rId15"/>
   </p:sldIdLst>
   <p:sldSz cx="12192000" cy="6858000"/>
@@ -1055,7 +1055,7 @@
     </p:spTree>
     <p:extLst>
       <p:ext uri="{BB962C8B-B14F-4D97-AF65-F5344CB8AC3E}">
-        <p14:creationId xmlns:p14="http://schemas.microsoft.com/office/powerpoint/2010/main" val="50651109"/>
+        <p14:creationId xmlns:p14="http://schemas.microsoft.com/office/powerpoint/2010/main" val="3999712614"/>
       </p:ext>
     </p:extLst>
   </p:cSld>
@@ -1145,7 +1145,7 @@
     </p:spTree>
     <p:extLst>
       <p:ext uri="{BB962C8B-B14F-4D97-AF65-F5344CB8AC3E}">
-        <p14:creationId xmlns:p14="http://schemas.microsoft.com/office/powerpoint/2010/main" val="597259050"/>
+        <p14:creationId xmlns:p14="http://schemas.microsoft.com/office/powerpoint/2010/main" val="1824691197"/>
       </p:ext>
     </p:extLst>
   </p:cSld>
@@ -39368,7 +39368,49 @@
           <a:bodyPr/>
           <a:lstStyle/>
           <a:p>
-            <a:endParaRPr lang="en-US"/>
+            <a:r>
+              <a:rPr lang="en-US" dirty="0" smtClean="0"/>
+              <a:t>Draft capabilities</a:t>
+            </a:r>
+          </a:p>
+          <a:p>
+            <a:r>
+              <a:rPr lang="en-US" dirty="0" smtClean="0"/>
+              <a:t>Post  management</a:t>
+            </a:r>
+          </a:p>
+          <a:p>
+            <a:r>
+              <a:rPr lang="en-US" dirty="0" smtClean="0"/>
+              <a:t>Rich text </a:t>
+            </a:r>
+            <a:r>
+              <a:rPr lang="en-US" dirty="0"/>
+              <a:t>e</a:t>
+            </a:r>
+            <a:r>
+              <a:rPr lang="en-US" dirty="0" smtClean="0"/>
+              <a:t>ditor </a:t>
+            </a:r>
+            <a:r>
+              <a:rPr lang="en-US" dirty="0"/>
+              <a:t>c</a:t>
+            </a:r>
+            <a:r>
+              <a:rPr lang="en-US" dirty="0" smtClean="0"/>
+              <a:t>omments</a:t>
+            </a:r>
+          </a:p>
+          <a:p>
+            <a:r>
+              <a:rPr lang="en-US" dirty="0" smtClean="0"/>
+              <a:t>Replies </a:t>
+            </a:r>
+            <a:r>
+              <a:rPr lang="en-US" smtClean="0"/>
+              <a:t>for comments</a:t>
+            </a:r>
+            <a:endParaRPr lang="en-US" dirty="0"/>
           </a:p>
         </p:txBody>
       </p:sp>
@@ -39484,7 +39526,7 @@
     </p:spTree>
     <p:extLst>
       <p:ext uri="{BB962C8B-B14F-4D97-AF65-F5344CB8AC3E}">
-        <p14:creationId xmlns:p14="http://schemas.microsoft.com/office/powerpoint/2010/main" val="3259647526"/>
+        <p14:creationId xmlns:p14="http://schemas.microsoft.com/office/powerpoint/2010/main" val="3099042865"/>
       </p:ext>
     </p:extLst>
   </p:cSld>
@@ -39533,7 +39575,22 @@
           <a:bodyPr/>
           <a:lstStyle/>
           <a:p>
-            <a:endParaRPr lang="en-US"/>
+            <a:r>
+              <a:rPr lang="en-US" dirty="0" smtClean="0"/>
+              <a:t>Comment boxes</a:t>
+            </a:r>
+          </a:p>
+          <a:p>
+            <a:r>
+              <a:rPr lang="en-US" dirty="0" smtClean="0"/>
+              <a:t>Email notifications</a:t>
+            </a:r>
+          </a:p>
+          <a:p>
+            <a:r>
+              <a:rPr lang="en-US" dirty="0" smtClean="0"/>
+              <a:t>Gradebook</a:t>
+            </a:r>
           </a:p>
         </p:txBody>
       </p:sp>
@@ -39649,7 +39706,7 @@
     </p:spTree>
     <p:extLst>
       <p:ext uri="{BB962C8B-B14F-4D97-AF65-F5344CB8AC3E}">
-        <p14:creationId xmlns:p14="http://schemas.microsoft.com/office/powerpoint/2010/main" val="3902528447"/>
+        <p14:creationId xmlns:p14="http://schemas.microsoft.com/office/powerpoint/2010/main" val="1566763832"/>
       </p:ext>
     </p:extLst>
   </p:cSld>
